--- a/pres_slides.pptx
+++ b/pres_slides.pptx
@@ -1,96 +1,53 @@
 
 <file path=ppt/presentation.xml><?xml version="1.0" encoding="utf-8"?>
-<p:presentation xmlns:a="http://schemas.openxmlformats.org/drawingml/2006/main" xmlns:r="http://schemas.openxmlformats.org/officeDocument/2006/relationships" xmlns:p="http://schemas.openxmlformats.org/presentationml/2006/main" saveSubsetFonts="1" embedTrueTypeFonts="true">
+<p:presentation xmlns:a="http://schemas.openxmlformats.org/drawingml/2006/main" xmlns:r="http://schemas.openxmlformats.org/officeDocument/2006/relationships" xmlns:p="http://schemas.openxmlformats.org/presentationml/2006/main" embedTrueTypeFonts="1" saveSubsetFonts="1">
   <p:sldMasterIdLst>
     <p:sldMasterId id="2147483648" r:id="rId1"/>
   </p:sldMasterIdLst>
   <p:sldIdLst>
-    <p:sldId id="256" r:id="rId24"/>
-    <p:sldId id="257" r:id="rId25"/>
-    <p:sldId id="258" r:id="rId26"/>
-    <p:sldId id="259" r:id="rId27"/>
-    <p:sldId id="260" r:id="rId28"/>
-    <p:sldId id="261" r:id="rId29"/>
-    <p:sldId id="262" r:id="rId30"/>
-    <p:sldId id="263" r:id="rId31"/>
-    <p:sldId id="264" r:id="rId32"/>
-    <p:sldId id="265" r:id="rId33"/>
-    <p:sldId id="266" r:id="rId34"/>
+    <p:sldId id="256" r:id="rId2"/>
+    <p:sldId id="257" r:id="rId3"/>
+    <p:sldId id="258" r:id="rId4"/>
+    <p:sldId id="259" r:id="rId5"/>
+    <p:sldId id="260" r:id="rId6"/>
+    <p:sldId id="261" r:id="rId7"/>
+    <p:sldId id="262" r:id="rId8"/>
+    <p:sldId id="263" r:id="rId9"/>
+    <p:sldId id="264" r:id="rId10"/>
+    <p:sldId id="265" r:id="rId11"/>
+    <p:sldId id="266" r:id="rId12"/>
   </p:sldIdLst>
   <p:sldSz cx="18288000" cy="10287000"/>
   <p:notesSz cx="6858000" cy="9144000"/>
   <p:embeddedFontLst>
     <p:embeddedFont>
-      <p:font typeface="Arimo" charset="1" panose="020B0604020202020204"/>
-      <p:regular r:id="rId6"/>
+      <p:font typeface="Calibri" panose="020F0502020204030204" pitchFamily="34" charset="0"/>
+      <p:regular r:id="rId13"/>
+      <p:bold r:id="rId14"/>
+      <p:italic r:id="rId15"/>
+      <p:boldItalic r:id="rId16"/>
     </p:embeddedFont>
     <p:embeddedFont>
-      <p:font typeface="Arimo Bold" charset="1" panose="020B0704020202020204"/>
-      <p:regular r:id="rId7"/>
+      <p:font typeface="Poppins" panose="00000500000000000000" pitchFamily="2" charset="0"/>
+      <p:regular r:id="rId17"/>
+      <p:bold r:id="rId18"/>
+      <p:italic r:id="rId19"/>
+      <p:boldItalic r:id="rId20"/>
     </p:embeddedFont>
     <p:embeddedFont>
-      <p:font typeface="Arimo Italics" charset="1" panose="020B0604020202090204"/>
-      <p:regular r:id="rId8"/>
+      <p:font typeface="Poppins ExtraBold" panose="00000900000000000000" pitchFamily="2" charset="0"/>
+      <p:regular r:id="rId21"/>
+      <p:bold r:id="rId22"/>
+      <p:boldItalic r:id="rId23"/>
     </p:embeddedFont>
     <p:embeddedFont>
-      <p:font typeface="Arimo Bold Italics" charset="1" panose="020B0704020202090204"/>
-      <p:regular r:id="rId9"/>
+      <p:font typeface="Poppins Medium" panose="00000600000000000000" pitchFamily="2" charset="0"/>
+      <p:regular r:id="rId24"/>
+      <p:italic r:id="rId25"/>
     </p:embeddedFont>
     <p:embeddedFont>
-      <p:font typeface="Open Sans Extra Bold" charset="1" panose="020B0906030804020204"/>
-      <p:regular r:id="rId10"/>
-    </p:embeddedFont>
-    <p:embeddedFont>
-      <p:font typeface="Open Sans Extra Bold Italics" charset="1" panose="020B0906030804020204"/>
-      <p:regular r:id="rId11"/>
-    </p:embeddedFont>
-    <p:embeddedFont>
-      <p:font typeface="Poppins Medium" charset="1" panose="00000600000000000000"/>
-      <p:regular r:id="rId12"/>
-    </p:embeddedFont>
-    <p:embeddedFont>
-      <p:font typeface="Poppins Medium Bold" charset="1" panose="00000700000000000000"/>
-      <p:regular r:id="rId13"/>
-    </p:embeddedFont>
-    <p:embeddedFont>
-      <p:font typeface="Poppins Medium Italics" charset="1" panose="00000600000000000000"/>
-      <p:regular r:id="rId14"/>
-    </p:embeddedFont>
-    <p:embeddedFont>
-      <p:font typeface="Poppins Medium Bold Italics" charset="1" panose="00000700000000000000"/>
-      <p:regular r:id="rId15"/>
-    </p:embeddedFont>
-    <p:embeddedFont>
-      <p:font typeface="Poppins ExtraBold" charset="1" panose="00000900000000000000"/>
-      <p:regular r:id="rId16"/>
-    </p:embeddedFont>
-    <p:embeddedFont>
-      <p:font typeface="Poppins ExtraBold Bold" charset="1" panose="00000A00000000000000"/>
-      <p:regular r:id="rId17"/>
-    </p:embeddedFont>
-    <p:embeddedFont>
-      <p:font typeface="Poppins ExtraBold Italics" charset="1" panose="00000900000000000000"/>
-      <p:regular r:id="rId18"/>
-    </p:embeddedFont>
-    <p:embeddedFont>
-      <p:font typeface="Poppins ExtraBold Bold Italics" charset="1" panose="00000A00000000000000"/>
-      <p:regular r:id="rId19"/>
-    </p:embeddedFont>
-    <p:embeddedFont>
-      <p:font typeface="Poppins" charset="1" panose="00000500000000000000"/>
-      <p:regular r:id="rId20"/>
-    </p:embeddedFont>
-    <p:embeddedFont>
-      <p:font typeface="Poppins Bold" charset="1" panose="00000800000000000000"/>
-      <p:regular r:id="rId21"/>
-    </p:embeddedFont>
-    <p:embeddedFont>
-      <p:font typeface="Poppins Italics" charset="1" panose="00000500000000000000"/>
-      <p:regular r:id="rId22"/>
-    </p:embeddedFont>
-    <p:embeddedFont>
-      <p:font typeface="Poppins Bold Italics" charset="1" panose="00000800000000000000"/>
-      <p:regular r:id="rId23"/>
+      <p:font typeface="Poppins Medium Bold" panose="020B0604020202020204" charset="0"/>
+      <p:regular r:id="rId26"/>
     </p:embeddedFont>
   </p:embeddedFontLst>
   <p:defaultTextStyle>
@@ -188,6 +145,22 @@
       </a:defRPr>
     </a:lvl9pPr>
   </p:defaultTextStyle>
+  <p:extLst>
+    <p:ext uri="{EFAFB233-063F-42B5-8137-9DF3F51BA10A}">
+      <p15:sldGuideLst xmlns:p15="http://schemas.microsoft.com/office/powerpoint/2012/main">
+        <p15:guide id="1" orient="horz" pos="2160">
+          <p15:clr>
+            <a:srgbClr val="A4A3A4"/>
+          </p15:clr>
+        </p15:guide>
+        <p15:guide id="2" pos="2880">
+          <p15:clr>
+            <a:srgbClr val="A4A3A4"/>
+          </p15:clr>
+        </p15:guide>
+      </p15:sldGuideLst>
+    </p:ext>
+  </p:extLst>
 </p:presentation>
 </file>
 
@@ -229,10 +202,9 @@
           <a:lstStyle/>
           <a:p>
             <a:r>
-              <a:rPr lang="en-US" smtClean="0"/>
+              <a:rPr lang="en-US"/>
               <a:t>Click to edit Master title style</a:t>
             </a:r>
-            <a:endParaRPr lang="en-US"/>
           </a:p>
         </p:txBody>
       </p:sp>
@@ -348,10 +320,9 @@
           </a:lstStyle>
           <a:p>
             <a:r>
-              <a:rPr lang="en-US" smtClean="0"/>
+              <a:rPr lang="en-US"/>
               <a:t>Click to edit Master subtitle style</a:t>
             </a:r>
-            <a:endParaRPr lang="en-US"/>
           </a:p>
         </p:txBody>
       </p:sp>
@@ -373,7 +344,7 @@
             <a:fld id="{1D8BD707-D9CF-40AE-B4C6-C98DA3205C09}" type="datetimeFigureOut">
               <a:rPr lang="en-US" smtClean="0"/>
               <a:pPr/>
-              <a:t>8/1/2011</a:t>
+              <a:t>6/19/2023</a:t>
             </a:fld>
             <a:endParaRPr lang="en-US"/>
           </a:p>
@@ -416,7 +387,7 @@
             <a:fld id="{B6F15528-21DE-4FAA-801E-634DDDAF4B2B}" type="slidenum">
               <a:rPr lang="en-US" smtClean="0"/>
               <a:pPr/>
-              <a:t>‹#›</a:t>
+              <a:t>‹nº›</a:t>
             </a:fld>
             <a:endParaRPr lang="en-US"/>
           </a:p>
@@ -463,10 +434,9 @@
           <a:lstStyle/>
           <a:p>
             <a:r>
-              <a:rPr lang="en-US" smtClean="0"/>
+              <a:rPr lang="en-US"/>
               <a:t>Click to edit Master title style</a:t>
             </a:r>
-            <a:endParaRPr lang="en-US"/>
           </a:p>
         </p:txBody>
       </p:sp>
@@ -487,38 +457,37 @@
           <a:p>
             <a:pPr lvl="0"/>
             <a:r>
-              <a:rPr lang="en-US" smtClean="0"/>
+              <a:rPr lang="en-US"/>
               <a:t>Click to edit Master text styles</a:t>
             </a:r>
           </a:p>
           <a:p>
             <a:pPr lvl="1"/>
             <a:r>
-              <a:rPr lang="en-US" smtClean="0"/>
+              <a:rPr lang="en-US"/>
               <a:t>Second level</a:t>
             </a:r>
           </a:p>
           <a:p>
             <a:pPr lvl="2"/>
             <a:r>
-              <a:rPr lang="en-US" smtClean="0"/>
+              <a:rPr lang="en-US"/>
               <a:t>Third level</a:t>
             </a:r>
           </a:p>
           <a:p>
             <a:pPr lvl="3"/>
             <a:r>
-              <a:rPr lang="en-US" smtClean="0"/>
+              <a:rPr lang="en-US"/>
               <a:t>Fourth level</a:t>
             </a:r>
           </a:p>
           <a:p>
             <a:pPr lvl="4"/>
             <a:r>
-              <a:rPr lang="en-US" smtClean="0"/>
+              <a:rPr lang="en-US"/>
               <a:t>Fifth level</a:t>
             </a:r>
-            <a:endParaRPr lang="en-US"/>
           </a:p>
         </p:txBody>
       </p:sp>
@@ -540,7 +509,7 @@
             <a:fld id="{1D8BD707-D9CF-40AE-B4C6-C98DA3205C09}" type="datetimeFigureOut">
               <a:rPr lang="en-US" smtClean="0"/>
               <a:pPr/>
-              <a:t>8/1/2011</a:t>
+              <a:t>6/19/2023</a:t>
             </a:fld>
             <a:endParaRPr lang="en-US"/>
           </a:p>
@@ -583,7 +552,7 @@
             <a:fld id="{B6F15528-21DE-4FAA-801E-634DDDAF4B2B}" type="slidenum">
               <a:rPr lang="en-US" smtClean="0"/>
               <a:pPr/>
-              <a:t>‹#›</a:t>
+              <a:t>‹nº›</a:t>
             </a:fld>
             <a:endParaRPr lang="en-US"/>
           </a:p>
@@ -635,10 +604,9 @@
           <a:lstStyle/>
           <a:p>
             <a:r>
-              <a:rPr lang="en-US" smtClean="0"/>
+              <a:rPr lang="en-US"/>
               <a:t>Click to edit Master title style</a:t>
             </a:r>
-            <a:endParaRPr lang="en-US"/>
           </a:p>
         </p:txBody>
       </p:sp>
@@ -664,38 +632,37 @@
           <a:p>
             <a:pPr lvl="0"/>
             <a:r>
-              <a:rPr lang="en-US" smtClean="0"/>
+              <a:rPr lang="en-US"/>
               <a:t>Click to edit Master text styles</a:t>
             </a:r>
           </a:p>
           <a:p>
             <a:pPr lvl="1"/>
             <a:r>
-              <a:rPr lang="en-US" smtClean="0"/>
+              <a:rPr lang="en-US"/>
               <a:t>Second level</a:t>
             </a:r>
           </a:p>
           <a:p>
             <a:pPr lvl="2"/>
             <a:r>
-              <a:rPr lang="en-US" smtClean="0"/>
+              <a:rPr lang="en-US"/>
               <a:t>Third level</a:t>
             </a:r>
           </a:p>
           <a:p>
             <a:pPr lvl="3"/>
             <a:r>
-              <a:rPr lang="en-US" smtClean="0"/>
+              <a:rPr lang="en-US"/>
               <a:t>Fourth level</a:t>
             </a:r>
           </a:p>
           <a:p>
             <a:pPr lvl="4"/>
             <a:r>
-              <a:rPr lang="en-US" smtClean="0"/>
+              <a:rPr lang="en-US"/>
               <a:t>Fifth level</a:t>
             </a:r>
-            <a:endParaRPr lang="en-US"/>
           </a:p>
         </p:txBody>
       </p:sp>
@@ -717,7 +684,7 @@
             <a:fld id="{1D8BD707-D9CF-40AE-B4C6-C98DA3205C09}" type="datetimeFigureOut">
               <a:rPr lang="en-US" smtClean="0"/>
               <a:pPr/>
-              <a:t>8/1/2011</a:t>
+              <a:t>6/19/2023</a:t>
             </a:fld>
             <a:endParaRPr lang="en-US"/>
           </a:p>
@@ -760,7 +727,7 @@
             <a:fld id="{B6F15528-21DE-4FAA-801E-634DDDAF4B2B}" type="slidenum">
               <a:rPr lang="en-US" smtClean="0"/>
               <a:pPr/>
-              <a:t>‹#›</a:t>
+              <a:t>‹nº›</a:t>
             </a:fld>
             <a:endParaRPr lang="en-US"/>
           </a:p>
@@ -807,10 +774,9 @@
           <a:lstStyle/>
           <a:p>
             <a:r>
-              <a:rPr lang="en-US" smtClean="0"/>
+              <a:rPr lang="en-US"/>
               <a:t>Click to edit Master title style</a:t>
             </a:r>
-            <a:endParaRPr lang="en-US"/>
           </a:p>
         </p:txBody>
       </p:sp>
@@ -831,38 +797,37 @@
           <a:p>
             <a:pPr lvl="0"/>
             <a:r>
-              <a:rPr lang="en-US" smtClean="0"/>
+              <a:rPr lang="en-US"/>
               <a:t>Click to edit Master text styles</a:t>
             </a:r>
           </a:p>
           <a:p>
             <a:pPr lvl="1"/>
             <a:r>
-              <a:rPr lang="en-US" smtClean="0"/>
+              <a:rPr lang="en-US"/>
               <a:t>Second level</a:t>
             </a:r>
           </a:p>
           <a:p>
             <a:pPr lvl="2"/>
             <a:r>
-              <a:rPr lang="en-US" smtClean="0"/>
+              <a:rPr lang="en-US"/>
               <a:t>Third level</a:t>
             </a:r>
           </a:p>
           <a:p>
             <a:pPr lvl="3"/>
             <a:r>
-              <a:rPr lang="en-US" smtClean="0"/>
+              <a:rPr lang="en-US"/>
               <a:t>Fourth level</a:t>
             </a:r>
           </a:p>
           <a:p>
             <a:pPr lvl="4"/>
             <a:r>
-              <a:rPr lang="en-US" smtClean="0"/>
+              <a:rPr lang="en-US"/>
               <a:t>Fifth level</a:t>
             </a:r>
-            <a:endParaRPr lang="en-US"/>
           </a:p>
         </p:txBody>
       </p:sp>
@@ -884,7 +849,7 @@
             <a:fld id="{1D8BD707-D9CF-40AE-B4C6-C98DA3205C09}" type="datetimeFigureOut">
               <a:rPr lang="en-US" smtClean="0"/>
               <a:pPr/>
-              <a:t>8/1/2011</a:t>
+              <a:t>6/19/2023</a:t>
             </a:fld>
             <a:endParaRPr lang="en-US"/>
           </a:p>
@@ -927,7 +892,7 @@
             <a:fld id="{B6F15528-21DE-4FAA-801E-634DDDAF4B2B}" type="slidenum">
               <a:rPr lang="en-US" smtClean="0"/>
               <a:pPr/>
-              <a:t>‹#›</a:t>
+              <a:t>‹nº›</a:t>
             </a:fld>
             <a:endParaRPr lang="en-US"/>
           </a:p>
@@ -983,10 +948,9 @@
           </a:lstStyle>
           <a:p>
             <a:r>
-              <a:rPr lang="en-US" smtClean="0"/>
+              <a:rPr lang="en-US"/>
               <a:t>Click to edit Master title style</a:t>
             </a:r>
-            <a:endParaRPr lang="en-US"/>
           </a:p>
         </p:txBody>
       </p:sp>
@@ -1103,7 +1067,7 @@
           <a:p>
             <a:pPr lvl="0"/>
             <a:r>
-              <a:rPr lang="en-US" smtClean="0"/>
+              <a:rPr lang="en-US"/>
               <a:t>Click to edit Master text styles</a:t>
             </a:r>
           </a:p>
@@ -1127,7 +1091,7 @@
             <a:fld id="{1D8BD707-D9CF-40AE-B4C6-C98DA3205C09}" type="datetimeFigureOut">
               <a:rPr lang="en-US" smtClean="0"/>
               <a:pPr/>
-              <a:t>8/1/2011</a:t>
+              <a:t>6/19/2023</a:t>
             </a:fld>
             <a:endParaRPr lang="en-US"/>
           </a:p>
@@ -1170,7 +1134,7 @@
             <a:fld id="{B6F15528-21DE-4FAA-801E-634DDDAF4B2B}" type="slidenum">
               <a:rPr lang="en-US" smtClean="0"/>
               <a:pPr/>
-              <a:t>‹#›</a:t>
+              <a:t>‹nº›</a:t>
             </a:fld>
             <a:endParaRPr lang="en-US"/>
           </a:p>
@@ -1217,10 +1181,9 @@
           <a:lstStyle/>
           <a:p>
             <a:r>
-              <a:rPr lang="en-US" smtClean="0"/>
+              <a:rPr lang="en-US"/>
               <a:t>Click to edit Master title style</a:t>
             </a:r>
-            <a:endParaRPr lang="en-US"/>
           </a:p>
         </p:txBody>
       </p:sp>
@@ -1274,38 +1237,37 @@
           <a:p>
             <a:pPr lvl="0"/>
             <a:r>
-              <a:rPr lang="en-US" smtClean="0"/>
+              <a:rPr lang="en-US"/>
               <a:t>Click to edit Master text styles</a:t>
             </a:r>
           </a:p>
           <a:p>
             <a:pPr lvl="1"/>
             <a:r>
-              <a:rPr lang="en-US" smtClean="0"/>
+              <a:rPr lang="en-US"/>
               <a:t>Second level</a:t>
             </a:r>
           </a:p>
           <a:p>
             <a:pPr lvl="2"/>
             <a:r>
-              <a:rPr lang="en-US" smtClean="0"/>
+              <a:rPr lang="en-US"/>
               <a:t>Third level</a:t>
             </a:r>
           </a:p>
           <a:p>
             <a:pPr lvl="3"/>
             <a:r>
-              <a:rPr lang="en-US" smtClean="0"/>
+              <a:rPr lang="en-US"/>
               <a:t>Fourth level</a:t>
             </a:r>
           </a:p>
           <a:p>
             <a:pPr lvl="4"/>
             <a:r>
-              <a:rPr lang="en-US" smtClean="0"/>
+              <a:rPr lang="en-US"/>
               <a:t>Fifth level</a:t>
             </a:r>
-            <a:endParaRPr lang="en-US"/>
           </a:p>
         </p:txBody>
       </p:sp>
@@ -1359,38 +1321,37 @@
           <a:p>
             <a:pPr lvl="0"/>
             <a:r>
-              <a:rPr lang="en-US" smtClean="0"/>
+              <a:rPr lang="en-US"/>
               <a:t>Click to edit Master text styles</a:t>
             </a:r>
           </a:p>
           <a:p>
             <a:pPr lvl="1"/>
             <a:r>
-              <a:rPr lang="en-US" smtClean="0"/>
+              <a:rPr lang="en-US"/>
               <a:t>Second level</a:t>
             </a:r>
           </a:p>
           <a:p>
             <a:pPr lvl="2"/>
             <a:r>
-              <a:rPr lang="en-US" smtClean="0"/>
+              <a:rPr lang="en-US"/>
               <a:t>Third level</a:t>
             </a:r>
           </a:p>
           <a:p>
             <a:pPr lvl="3"/>
             <a:r>
-              <a:rPr lang="en-US" smtClean="0"/>
+              <a:rPr lang="en-US"/>
               <a:t>Fourth level</a:t>
             </a:r>
           </a:p>
           <a:p>
             <a:pPr lvl="4"/>
             <a:r>
-              <a:rPr lang="en-US" smtClean="0"/>
+              <a:rPr lang="en-US"/>
               <a:t>Fifth level</a:t>
             </a:r>
-            <a:endParaRPr lang="en-US"/>
           </a:p>
         </p:txBody>
       </p:sp>
@@ -1412,7 +1373,7 @@
             <a:fld id="{1D8BD707-D9CF-40AE-B4C6-C98DA3205C09}" type="datetimeFigureOut">
               <a:rPr lang="en-US" smtClean="0"/>
               <a:pPr/>
-              <a:t>8/1/2011</a:t>
+              <a:t>6/19/2023</a:t>
             </a:fld>
             <a:endParaRPr lang="en-US"/>
           </a:p>
@@ -1455,7 +1416,7 @@
             <a:fld id="{B6F15528-21DE-4FAA-801E-634DDDAF4B2B}" type="slidenum">
               <a:rPr lang="en-US" smtClean="0"/>
               <a:pPr/>
-              <a:t>‹#›</a:t>
+              <a:t>‹nº›</a:t>
             </a:fld>
             <a:endParaRPr lang="en-US"/>
           </a:p>
@@ -1506,10 +1467,9 @@
           </a:lstStyle>
           <a:p>
             <a:r>
-              <a:rPr lang="en-US" smtClean="0"/>
+              <a:rPr lang="en-US"/>
               <a:t>Click to edit Master title style</a:t>
             </a:r>
-            <a:endParaRPr lang="en-US"/>
           </a:p>
         </p:txBody>
       </p:sp>
@@ -1572,7 +1532,7 @@
           <a:p>
             <a:pPr lvl="0"/>
             <a:r>
-              <a:rPr lang="en-US" smtClean="0"/>
+              <a:rPr lang="en-US"/>
               <a:t>Click to edit Master text styles</a:t>
             </a:r>
           </a:p>
@@ -1628,38 +1588,37 @@
           <a:p>
             <a:pPr lvl="0"/>
             <a:r>
-              <a:rPr lang="en-US" smtClean="0"/>
+              <a:rPr lang="en-US"/>
               <a:t>Click to edit Master text styles</a:t>
             </a:r>
           </a:p>
           <a:p>
             <a:pPr lvl="1"/>
             <a:r>
-              <a:rPr lang="en-US" smtClean="0"/>
+              <a:rPr lang="en-US"/>
               <a:t>Second level</a:t>
             </a:r>
           </a:p>
           <a:p>
             <a:pPr lvl="2"/>
             <a:r>
-              <a:rPr lang="en-US" smtClean="0"/>
+              <a:rPr lang="en-US"/>
               <a:t>Third level</a:t>
             </a:r>
           </a:p>
           <a:p>
             <a:pPr lvl="3"/>
             <a:r>
-              <a:rPr lang="en-US" smtClean="0"/>
+              <a:rPr lang="en-US"/>
               <a:t>Fourth level</a:t>
             </a:r>
           </a:p>
           <a:p>
             <a:pPr lvl="4"/>
             <a:r>
-              <a:rPr lang="en-US" smtClean="0"/>
+              <a:rPr lang="en-US"/>
               <a:t>Fifth level</a:t>
             </a:r>
-            <a:endParaRPr lang="en-US"/>
           </a:p>
         </p:txBody>
       </p:sp>
@@ -1722,7 +1681,7 @@
           <a:p>
             <a:pPr lvl="0"/>
             <a:r>
-              <a:rPr lang="en-US" smtClean="0"/>
+              <a:rPr lang="en-US"/>
               <a:t>Click to edit Master text styles</a:t>
             </a:r>
           </a:p>
@@ -1778,38 +1737,37 @@
           <a:p>
             <a:pPr lvl="0"/>
             <a:r>
-              <a:rPr lang="en-US" smtClean="0"/>
+              <a:rPr lang="en-US"/>
               <a:t>Click to edit Master text styles</a:t>
             </a:r>
           </a:p>
           <a:p>
             <a:pPr lvl="1"/>
             <a:r>
-              <a:rPr lang="en-US" smtClean="0"/>
+              <a:rPr lang="en-US"/>
               <a:t>Second level</a:t>
             </a:r>
           </a:p>
           <a:p>
             <a:pPr lvl="2"/>
             <a:r>
-              <a:rPr lang="en-US" smtClean="0"/>
+              <a:rPr lang="en-US"/>
               <a:t>Third level</a:t>
             </a:r>
           </a:p>
           <a:p>
             <a:pPr lvl="3"/>
             <a:r>
-              <a:rPr lang="en-US" smtClean="0"/>
+              <a:rPr lang="en-US"/>
               <a:t>Fourth level</a:t>
             </a:r>
           </a:p>
           <a:p>
             <a:pPr lvl="4"/>
             <a:r>
-              <a:rPr lang="en-US" smtClean="0"/>
+              <a:rPr lang="en-US"/>
               <a:t>Fifth level</a:t>
             </a:r>
-            <a:endParaRPr lang="en-US"/>
           </a:p>
         </p:txBody>
       </p:sp>
@@ -1831,7 +1789,7 @@
             <a:fld id="{1D8BD707-D9CF-40AE-B4C6-C98DA3205C09}" type="datetimeFigureOut">
               <a:rPr lang="en-US" smtClean="0"/>
               <a:pPr/>
-              <a:t>8/1/2011</a:t>
+              <a:t>6/19/2023</a:t>
             </a:fld>
             <a:endParaRPr lang="en-US"/>
           </a:p>
@@ -1874,7 +1832,7 @@
             <a:fld id="{B6F15528-21DE-4FAA-801E-634DDDAF4B2B}" type="slidenum">
               <a:rPr lang="en-US" smtClean="0"/>
               <a:pPr/>
-              <a:t>‹#›</a:t>
+              <a:t>‹nº›</a:t>
             </a:fld>
             <a:endParaRPr lang="en-US"/>
           </a:p>
@@ -1921,10 +1879,9 @@
           <a:lstStyle/>
           <a:p>
             <a:r>
-              <a:rPr lang="en-US" smtClean="0"/>
+              <a:rPr lang="en-US"/>
               <a:t>Click to edit Master title style</a:t>
             </a:r>
-            <a:endParaRPr lang="en-US"/>
           </a:p>
         </p:txBody>
       </p:sp>
@@ -1946,7 +1903,7 @@
             <a:fld id="{1D8BD707-D9CF-40AE-B4C6-C98DA3205C09}" type="datetimeFigureOut">
               <a:rPr lang="en-US" smtClean="0"/>
               <a:pPr/>
-              <a:t>8/1/2011</a:t>
+              <a:t>6/19/2023</a:t>
             </a:fld>
             <a:endParaRPr lang="en-US"/>
           </a:p>
@@ -1989,7 +1946,7 @@
             <a:fld id="{B6F15528-21DE-4FAA-801E-634DDDAF4B2B}" type="slidenum">
               <a:rPr lang="en-US" smtClean="0"/>
               <a:pPr/>
-              <a:t>‹#›</a:t>
+              <a:t>‹nº›</a:t>
             </a:fld>
             <a:endParaRPr lang="en-US"/>
           </a:p>
@@ -2038,7 +1995,7 @@
             <a:fld id="{1D8BD707-D9CF-40AE-B4C6-C98DA3205C09}" type="datetimeFigureOut">
               <a:rPr lang="en-US" smtClean="0"/>
               <a:pPr/>
-              <a:t>8/1/2011</a:t>
+              <a:t>6/19/2023</a:t>
             </a:fld>
             <a:endParaRPr lang="en-US"/>
           </a:p>
@@ -2081,7 +2038,7 @@
             <a:fld id="{B6F15528-21DE-4FAA-801E-634DDDAF4B2B}" type="slidenum">
               <a:rPr lang="en-US" smtClean="0"/>
               <a:pPr/>
-              <a:t>‹#›</a:t>
+              <a:t>‹nº›</a:t>
             </a:fld>
             <a:endParaRPr lang="en-US"/>
           </a:p>
@@ -2137,10 +2094,9 @@
           </a:lstStyle>
           <a:p>
             <a:r>
-              <a:rPr lang="en-US" smtClean="0"/>
+              <a:rPr lang="en-US"/>
               <a:t>Click to edit Master title style</a:t>
             </a:r>
-            <a:endParaRPr lang="en-US"/>
           </a:p>
         </p:txBody>
       </p:sp>
@@ -2194,38 +2150,37 @@
           <a:p>
             <a:pPr lvl="0"/>
             <a:r>
-              <a:rPr lang="en-US" smtClean="0"/>
+              <a:rPr lang="en-US"/>
               <a:t>Click to edit Master text styles</a:t>
             </a:r>
           </a:p>
           <a:p>
             <a:pPr lvl="1"/>
             <a:r>
-              <a:rPr lang="en-US" smtClean="0"/>
+              <a:rPr lang="en-US"/>
               <a:t>Second level</a:t>
             </a:r>
           </a:p>
           <a:p>
             <a:pPr lvl="2"/>
             <a:r>
-              <a:rPr lang="en-US" smtClean="0"/>
+              <a:rPr lang="en-US"/>
               <a:t>Third level</a:t>
             </a:r>
           </a:p>
           <a:p>
             <a:pPr lvl="3"/>
             <a:r>
-              <a:rPr lang="en-US" smtClean="0"/>
+              <a:rPr lang="en-US"/>
               <a:t>Fourth level</a:t>
             </a:r>
           </a:p>
           <a:p>
             <a:pPr lvl="4"/>
             <a:r>
-              <a:rPr lang="en-US" smtClean="0"/>
+              <a:rPr lang="en-US"/>
               <a:t>Fifth level</a:t>
             </a:r>
-            <a:endParaRPr lang="en-US"/>
           </a:p>
         </p:txBody>
       </p:sp>
@@ -2288,7 +2243,7 @@
           <a:p>
             <a:pPr lvl="0"/>
             <a:r>
-              <a:rPr lang="en-US" smtClean="0"/>
+              <a:rPr lang="en-US"/>
               <a:t>Click to edit Master text styles</a:t>
             </a:r>
           </a:p>
@@ -2312,7 +2267,7 @@
             <a:fld id="{1D8BD707-D9CF-40AE-B4C6-C98DA3205C09}" type="datetimeFigureOut">
               <a:rPr lang="en-US" smtClean="0"/>
               <a:pPr/>
-              <a:t>8/1/2011</a:t>
+              <a:t>6/19/2023</a:t>
             </a:fld>
             <a:endParaRPr lang="en-US"/>
           </a:p>
@@ -2355,7 +2310,7 @@
             <a:fld id="{B6F15528-21DE-4FAA-801E-634DDDAF4B2B}" type="slidenum">
               <a:rPr lang="en-US" smtClean="0"/>
               <a:pPr/>
-              <a:t>‹#›</a:t>
+              <a:t>‹nº›</a:t>
             </a:fld>
             <a:endParaRPr lang="en-US"/>
           </a:p>
@@ -2411,10 +2366,9 @@
           </a:lstStyle>
           <a:p>
             <a:r>
-              <a:rPr lang="en-US" smtClean="0"/>
+              <a:rPr lang="en-US"/>
               <a:t>Click to edit Master title style</a:t>
             </a:r>
-            <a:endParaRPr lang="en-US"/>
           </a:p>
         </p:txBody>
       </p:sp>
@@ -2538,7 +2492,7 @@
           <a:p>
             <a:pPr lvl="0"/>
             <a:r>
-              <a:rPr lang="en-US" smtClean="0"/>
+              <a:rPr lang="en-US"/>
               <a:t>Click to edit Master text styles</a:t>
             </a:r>
           </a:p>
@@ -2562,7 +2516,7 @@
             <a:fld id="{1D8BD707-D9CF-40AE-B4C6-C98DA3205C09}" type="datetimeFigureOut">
               <a:rPr lang="en-US" smtClean="0"/>
               <a:pPr/>
-              <a:t>8/1/2011</a:t>
+              <a:t>6/19/2023</a:t>
             </a:fld>
             <a:endParaRPr lang="en-US"/>
           </a:p>
@@ -2605,7 +2559,7 @@
             <a:fld id="{B6F15528-21DE-4FAA-801E-634DDDAF4B2B}" type="slidenum">
               <a:rPr lang="en-US" smtClean="0"/>
               <a:pPr/>
-              <a:t>‹#›</a:t>
+              <a:t>‹nº›</a:t>
             </a:fld>
             <a:endParaRPr lang="en-US"/>
           </a:p>
@@ -2667,10 +2621,9 @@
           <a:lstStyle/>
           <a:p>
             <a:r>
-              <a:rPr lang="en-US" smtClean="0"/>
+              <a:rPr lang="en-US"/>
               <a:t>Click to edit Master title style</a:t>
             </a:r>
-            <a:endParaRPr lang="en-US"/>
           </a:p>
         </p:txBody>
       </p:sp>
@@ -2701,38 +2654,37 @@
           <a:p>
             <a:pPr lvl="0"/>
             <a:r>
-              <a:rPr lang="en-US" smtClean="0"/>
+              <a:rPr lang="en-US"/>
               <a:t>Click to edit Master text styles</a:t>
             </a:r>
           </a:p>
           <a:p>
             <a:pPr lvl="1"/>
             <a:r>
-              <a:rPr lang="en-US" smtClean="0"/>
+              <a:rPr lang="en-US"/>
               <a:t>Second level</a:t>
             </a:r>
           </a:p>
           <a:p>
             <a:pPr lvl="2"/>
             <a:r>
-              <a:rPr lang="en-US" smtClean="0"/>
+              <a:rPr lang="en-US"/>
               <a:t>Third level</a:t>
             </a:r>
           </a:p>
           <a:p>
             <a:pPr lvl="3"/>
             <a:r>
-              <a:rPr lang="en-US" smtClean="0"/>
+              <a:rPr lang="en-US"/>
               <a:t>Fourth level</a:t>
             </a:r>
           </a:p>
           <a:p>
             <a:pPr lvl="4"/>
             <a:r>
-              <a:rPr lang="en-US" smtClean="0"/>
+              <a:rPr lang="en-US"/>
               <a:t>Fifth level</a:t>
             </a:r>
-            <a:endParaRPr lang="en-US"/>
           </a:p>
         </p:txBody>
       </p:sp>
@@ -2772,7 +2724,7 @@
             <a:fld id="{1D8BD707-D9CF-40AE-B4C6-C98DA3205C09}" type="datetimeFigureOut">
               <a:rPr lang="en-US" smtClean="0"/>
               <a:pPr/>
-              <a:t>8/1/2011</a:t>
+              <a:t>6/19/2023</a:t>
             </a:fld>
             <a:endParaRPr lang="en-US"/>
           </a:p>
@@ -2851,7 +2803,7 @@
             <a:fld id="{B6F15528-21DE-4FAA-801E-634DDDAF4B2B}" type="slidenum">
               <a:rPr lang="en-US" smtClean="0"/>
               <a:pPr/>
-              <a:t>‹#›</a:t>
+              <a:t>‹nº›</a:t>
             </a:fld>
             <a:endParaRPr lang="en-US"/>
           </a:p>
@@ -3127,7 +3079,7 @@
 </file>
 
 <file path=ppt/slides/slide1.xml><?xml version="1.0" encoding="utf-8"?>
-<p:sld xmlns:p="http://schemas.openxmlformats.org/presentationml/2006/main" xmlns:a="http://schemas.openxmlformats.org/drawingml/2006/main" xmlns:r="http://schemas.openxmlformats.org/officeDocument/2006/relationships">
+<p:sld xmlns:a="http://schemas.openxmlformats.org/drawingml/2006/main" xmlns:r="http://schemas.openxmlformats.org/officeDocument/2006/relationships" xmlns:p="http://schemas.openxmlformats.org/presentationml/2006/main">
   <p:cSld>
     <p:spTree>
       <p:nvGrpSpPr>
@@ -3145,21 +3097,21 @@
       </p:grpSpPr>
       <p:pic>
         <p:nvPicPr>
-          <p:cNvPr name="Picture 2" id="2"/>
+          <p:cNvPr id="2" name="Picture 2"/>
           <p:cNvPicPr>
-            <a:picLocks noChangeAspect="true"/>
+            <a:picLocks noChangeAspect="1"/>
           </p:cNvPicPr>
           <p:nvPr/>
         </p:nvPicPr>
         <p:blipFill>
           <a:blip r:embed="rId2"/>
-          <a:srcRect l="0" t="7825" r="0" b="7825"/>
+          <a:srcRect t="7825" b="7825"/>
           <a:stretch>
             <a:fillRect/>
           </a:stretch>
         </p:blipFill>
         <p:spPr>
-          <a:xfrm flipH="false" flipV="false">
+          <a:xfrm>
             <a:off x="0" y="0"/>
             <a:ext cx="18288000" cy="10287000"/>
           </a:xfrm>
@@ -3170,12 +3122,12 @@
       </p:pic>
       <p:sp>
         <p:nvSpPr>
-          <p:cNvPr name="Freeform 3" id="3"/>
+          <p:cNvPr id="3" name="Freeform 3"/>
           <p:cNvSpPr/>
           <p:nvPr/>
         </p:nvSpPr>
         <p:spPr>
-          <a:xfrm flipH="false" flipV="false" rot="5400000">
+          <a:xfrm rot="5400000">
             <a:off x="703643" y="-1992076"/>
             <a:ext cx="12571376" cy="13978662"/>
           </a:xfrm>
@@ -3184,9 +3136,9 @@
             <a:gdLst/>
             <a:ahLst/>
             <a:cxnLst/>
-            <a:rect r="r" b="b" t="t" l="l"/>
+            <a:rect l="l" t="t" r="r" b="b"/>
             <a:pathLst>
-              <a:path h="13978662" w="12571376">
+              <a:path w="12571376" h="13978662">
                 <a:moveTo>
                   <a:pt x="0" y="0"/>
                 </a:moveTo>
@@ -3215,19 +3167,19 @@
               </a:extLst>
             </a:blip>
             <a:stretch>
-              <a:fillRect l="-48054" t="-71303" r="-42425" b="0"/>
+              <a:fillRect l="-48054" t="-71303" r="-42425"/>
             </a:stretch>
           </a:blipFill>
         </p:spPr>
       </p:sp>
       <p:sp>
         <p:nvSpPr>
-          <p:cNvPr name="Freeform 4" id="4"/>
+          <p:cNvPr id="4" name="Freeform 4"/>
           <p:cNvSpPr/>
           <p:nvPr/>
         </p:nvSpPr>
         <p:spPr>
-          <a:xfrm flipH="false" flipV="true" rot="0">
+          <a:xfrm flipV="1">
             <a:off x="9189279" y="5035369"/>
             <a:ext cx="7925404" cy="7925404"/>
           </a:xfrm>
@@ -3236,9 +3188,9 @@
             <a:gdLst/>
             <a:ahLst/>
             <a:cxnLst/>
-            <a:rect r="r" b="b" t="t" l="l"/>
+            <a:rect l="l" t="t" r="r" b="b"/>
             <a:pathLst>
-              <a:path h="7925404" w="7925404">
+              <a:path w="7925404" h="7925404">
                 <a:moveTo>
                   <a:pt x="0" y="7925404"/>
                 </a:moveTo>
@@ -3268,19 +3220,19 @@
               </a:extLst>
             </a:blip>
             <a:stretch>
-              <a:fillRect l="0" t="0" r="0" b="0"/>
+              <a:fillRect/>
             </a:stretch>
           </a:blipFill>
         </p:spPr>
       </p:sp>
       <p:sp>
         <p:nvSpPr>
-          <p:cNvPr name="Freeform 5" id="5"/>
+          <p:cNvPr id="5" name="Freeform 5"/>
           <p:cNvSpPr/>
           <p:nvPr/>
         </p:nvSpPr>
         <p:spPr>
-          <a:xfrm flipH="false" flipV="false" rot="0">
+          <a:xfrm>
             <a:off x="9189279" y="1215924"/>
             <a:ext cx="7925404" cy="7925404"/>
           </a:xfrm>
@@ -3289,9 +3241,9 @@
             <a:gdLst/>
             <a:ahLst/>
             <a:cxnLst/>
-            <a:rect r="r" b="b" t="t" l="l"/>
+            <a:rect l="l" t="t" r="r" b="b"/>
             <a:pathLst>
-              <a:path h="7925404" w="7925404">
+              <a:path w="7925404" h="7925404">
                 <a:moveTo>
                   <a:pt x="0" y="0"/>
                 </a:moveTo>
@@ -3321,19 +3273,19 @@
               </a:extLst>
             </a:blip>
             <a:stretch>
-              <a:fillRect l="0" t="0" r="0" b="0"/>
+              <a:fillRect/>
             </a:stretch>
           </a:blipFill>
         </p:spPr>
       </p:sp>
       <p:sp>
         <p:nvSpPr>
-          <p:cNvPr name="Freeform 6" id="6"/>
+          <p:cNvPr id="6" name="Freeform 6"/>
           <p:cNvSpPr/>
           <p:nvPr/>
         </p:nvSpPr>
         <p:spPr>
-          <a:xfrm flipH="false" flipV="false" rot="0">
+          <a:xfrm>
             <a:off x="9189279" y="-2673773"/>
             <a:ext cx="7925404" cy="7925404"/>
           </a:xfrm>
@@ -3342,9 +3294,9 @@
             <a:gdLst/>
             <a:ahLst/>
             <a:cxnLst/>
-            <a:rect r="r" b="b" t="t" l="l"/>
+            <a:rect l="l" t="t" r="r" b="b"/>
             <a:pathLst>
-              <a:path h="7925404" w="7925404">
+              <a:path w="7925404" h="7925404">
                 <a:moveTo>
                   <a:pt x="0" y="0"/>
                 </a:moveTo>
@@ -3374,19 +3326,19 @@
               </a:extLst>
             </a:blip>
             <a:stretch>
-              <a:fillRect l="0" t="0" r="0" b="0"/>
+              <a:fillRect/>
             </a:stretch>
           </a:blipFill>
         </p:spPr>
       </p:sp>
       <p:grpSp>
         <p:nvGrpSpPr>
-          <p:cNvPr name="Group 7" id="7"/>
+          <p:cNvPr id="7" name="Group 7"/>
           <p:cNvGrpSpPr/>
           <p:nvPr/>
         </p:nvGrpSpPr>
         <p:grpSpPr>
-          <a:xfrm rot="0">
+          <a:xfrm>
             <a:off x="1876392" y="7419764"/>
             <a:ext cx="1823236" cy="960487"/>
             <a:chOff x="0" y="0"/>
@@ -3395,12 +3347,12 @@
         </p:grpSpPr>
         <p:sp>
           <p:nvSpPr>
-            <p:cNvPr name="Freeform 8" id="8"/>
+            <p:cNvPr id="8" name="Freeform 8"/>
             <p:cNvSpPr/>
             <p:nvPr/>
           </p:nvSpPr>
           <p:spPr>
-            <a:xfrm flipH="false" flipV="false" rot="0">
+            <a:xfrm>
               <a:off x="0" y="0"/>
               <a:ext cx="480194" cy="252968"/>
             </a:xfrm>
@@ -3409,9 +3361,9 @@
               <a:gdLst/>
               <a:ahLst/>
               <a:cxnLst/>
-              <a:rect r="r" b="b" t="t" l="l"/>
+              <a:rect l="l" t="t" r="r" b="b"/>
               <a:pathLst>
-                <a:path h="252968" w="480194">
+                <a:path w="480194" h="252968">
                   <a:moveTo>
                     <a:pt x="126484" y="0"/>
                   </a:moveTo>
@@ -3485,8 +3437,8 @@
         </p:sp>
         <p:sp>
           <p:nvSpPr>
-            <p:cNvPr name="TextBox 9" id="9"/>
-            <p:cNvSpPr txBox="true"/>
+            <p:cNvPr id="9" name="TextBox 9"/>
+            <p:cNvSpPr txBox="1"/>
             <p:nvPr/>
           </p:nvSpPr>
           <p:spPr>
@@ -3499,7 +3451,7 @@
             </a:prstGeom>
           </p:spPr>
           <p:txBody>
-            <a:bodyPr anchor="ctr" rtlCol="false" tIns="50800" lIns="50800" bIns="50800" rIns="50800"/>
+            <a:bodyPr lIns="50800" tIns="50800" rIns="50800" bIns="50800" rtlCol="0" anchor="ctr"/>
             <a:lstStyle/>
             <a:p>
               <a:pPr algn="ctr">
@@ -3507,18 +3459,19 @@
                   <a:spcPts val="2659"/>
                 </a:lnSpc>
               </a:pPr>
+              <a:endParaRPr/>
             </a:p>
           </p:txBody>
         </p:sp>
       </p:grpSp>
       <p:sp>
         <p:nvSpPr>
-          <p:cNvPr name="Freeform 10" id="10"/>
+          <p:cNvPr id="10" name="Freeform 10"/>
           <p:cNvSpPr/>
           <p:nvPr/>
         </p:nvSpPr>
         <p:spPr>
-          <a:xfrm flipH="false" flipV="false" rot="0">
+          <a:xfrm>
             <a:off x="2289151" y="7678428"/>
             <a:ext cx="986790" cy="443158"/>
           </a:xfrm>
@@ -3527,9 +3480,9 @@
             <a:gdLst/>
             <a:ahLst/>
             <a:cxnLst/>
-            <a:rect r="r" b="b" t="t" l="l"/>
+            <a:rect l="l" t="t" r="r" b="b"/>
             <a:pathLst>
-              <a:path h="443158" w="986790">
+              <a:path w="986790" h="443158">
                 <a:moveTo>
                   <a:pt x="0" y="0"/>
                 </a:moveTo>
@@ -3558,19 +3511,19 @@
               </a:extLst>
             </a:blip>
             <a:stretch>
-              <a:fillRect l="0" t="0" r="0" b="0"/>
+              <a:fillRect/>
             </a:stretch>
           </a:blipFill>
         </p:spPr>
       </p:sp>
       <p:sp>
         <p:nvSpPr>
-          <p:cNvPr name="TextBox 11" id="11"/>
-          <p:cNvSpPr txBox="true"/>
+          <p:cNvPr id="11" name="TextBox 11"/>
+          <p:cNvSpPr txBox="1"/>
           <p:nvPr/>
         </p:nvSpPr>
         <p:spPr>
-          <a:xfrm rot="0">
+          <a:xfrm>
             <a:off x="599038" y="3930506"/>
             <a:ext cx="18419679" cy="2209726"/>
           </a:xfrm>
@@ -3579,7 +3532,7 @@
           </a:prstGeom>
         </p:spPr>
         <p:txBody>
-          <a:bodyPr anchor="t" rtlCol="false" tIns="0" lIns="0" bIns="0" rIns="0">
+          <a:bodyPr lIns="0" tIns="0" rIns="0" bIns="0" rtlCol="0" anchor="t">
             <a:spAutoFit/>
           </a:bodyPr>
           <a:lstStyle/>
@@ -3619,12 +3572,12 @@
       </p:sp>
       <p:sp>
         <p:nvSpPr>
-          <p:cNvPr name="TextBox 12" id="12"/>
-          <p:cNvSpPr txBox="true"/>
+          <p:cNvPr id="12" name="TextBox 12"/>
+          <p:cNvSpPr txBox="1"/>
           <p:nvPr/>
         </p:nvSpPr>
         <p:spPr>
-          <a:xfrm rot="0">
+          <a:xfrm>
             <a:off x="1876392" y="1906749"/>
             <a:ext cx="12102271" cy="1295400"/>
           </a:xfrm>
@@ -3633,7 +3586,7 @@
           </a:prstGeom>
         </p:spPr>
         <p:txBody>
-          <a:bodyPr anchor="t" rtlCol="false" tIns="0" lIns="0" bIns="0" rIns="0">
+          <a:bodyPr lIns="0" tIns="0" rIns="0" bIns="0" rtlCol="0" anchor="t">
             <a:spAutoFit/>
           </a:bodyPr>
           <a:lstStyle/>
@@ -3659,6 +3612,12 @@
                 <a:spcPts val="3300"/>
               </a:lnSpc>
             </a:pPr>
+            <a:endParaRPr lang="en-US" sz="3000" spc="375">
+              <a:solidFill>
+                <a:srgbClr val="89FFDB"/>
+              </a:solidFill>
+              <a:latin typeface="Poppins"/>
+            </a:endParaRPr>
           </a:p>
           <a:p>
             <a:pPr>
@@ -3666,17 +3625,23 @@
                 <a:spcPts val="3300"/>
               </a:lnSpc>
             </a:pPr>
-          </a:p>
-        </p:txBody>
-      </p:sp>
-      <p:sp>
-        <p:nvSpPr>
-          <p:cNvPr name="TextBox 13" id="13"/>
-          <p:cNvSpPr txBox="true"/>
+            <a:endParaRPr lang="en-US" sz="3000" spc="375">
+              <a:solidFill>
+                <a:srgbClr val="89FFDB"/>
+              </a:solidFill>
+              <a:latin typeface="Poppins"/>
+            </a:endParaRPr>
+          </a:p>
+        </p:txBody>
+      </p:sp>
+      <p:sp>
+        <p:nvSpPr>
+          <p:cNvPr id="13" name="TextBox 13"/>
+          <p:cNvSpPr txBox="1"/>
           <p:nvPr/>
         </p:nvSpPr>
         <p:spPr>
-          <a:xfrm rot="0">
+          <a:xfrm>
             <a:off x="505327" y="9153525"/>
             <a:ext cx="2277219" cy="618490"/>
           </a:xfrm>
@@ -3685,7 +3650,7 @@
           </a:prstGeom>
         </p:spPr>
         <p:txBody>
-          <a:bodyPr anchor="t" rtlCol="false" tIns="0" lIns="0" bIns="0" rIns="0">
+          <a:bodyPr lIns="0" tIns="0" rIns="0" bIns="0" rtlCol="0" anchor="t">
             <a:spAutoFit/>
           </a:bodyPr>
           <a:lstStyle/>
@@ -3716,13 +3681,14 @@
 </file>
 
 <file path=ppt/slides/slide10.xml><?xml version="1.0" encoding="utf-8"?>
-<p:sld xmlns:p="http://schemas.openxmlformats.org/presentationml/2006/main" xmlns:a="http://schemas.openxmlformats.org/drawingml/2006/main" xmlns:r="http://schemas.openxmlformats.org/officeDocument/2006/relationships">
+<p:sld xmlns:a="http://schemas.openxmlformats.org/drawingml/2006/main" xmlns:r="http://schemas.openxmlformats.org/officeDocument/2006/relationships" xmlns:p="http://schemas.openxmlformats.org/presentationml/2006/main">
   <p:cSld>
     <p:bg>
       <p:bgPr>
         <a:solidFill>
           <a:srgbClr val="010817"/>
         </a:solidFill>
+        <a:effectLst/>
       </p:bgPr>
     </p:bg>
     <p:spTree>
@@ -3741,12 +3707,12 @@
       </p:grpSpPr>
       <p:sp>
         <p:nvSpPr>
-          <p:cNvPr name="Freeform 2" id="2"/>
+          <p:cNvPr id="2" name="Freeform 2"/>
           <p:cNvSpPr/>
           <p:nvPr/>
         </p:nvSpPr>
         <p:spPr>
-          <a:xfrm flipH="false" flipV="false" rot="-5400000">
+          <a:xfrm rot="-5400000">
             <a:off x="11196509" y="340986"/>
             <a:ext cx="14351417" cy="14351417"/>
           </a:xfrm>
@@ -3755,9 +3721,9 @@
             <a:gdLst/>
             <a:ahLst/>
             <a:cxnLst/>
-            <a:rect r="r" b="b" t="t" l="l"/>
+            <a:rect l="l" t="t" r="r" b="b"/>
             <a:pathLst>
-              <a:path h="14351417" w="14351417">
+              <a:path w="14351417" h="14351417">
                 <a:moveTo>
                   <a:pt x="0" y="0"/>
                 </a:moveTo>
@@ -3787,19 +3753,19 @@
               </a:extLst>
             </a:blip>
             <a:stretch>
-              <a:fillRect l="0" t="0" r="0" b="0"/>
+              <a:fillRect/>
             </a:stretch>
           </a:blipFill>
         </p:spPr>
       </p:sp>
       <p:sp>
         <p:nvSpPr>
-          <p:cNvPr name="Freeform 3" id="3"/>
+          <p:cNvPr id="3" name="Freeform 3"/>
           <p:cNvSpPr/>
           <p:nvPr/>
         </p:nvSpPr>
         <p:spPr>
-          <a:xfrm flipH="false" flipV="false" rot="-5400000">
+          <a:xfrm rot="-5400000">
             <a:off x="7109010" y="-3608525"/>
             <a:ext cx="8162790" cy="8162790"/>
           </a:xfrm>
@@ -3808,9 +3774,9 @@
             <a:gdLst/>
             <a:ahLst/>
             <a:cxnLst/>
-            <a:rect r="r" b="b" t="t" l="l"/>
+            <a:rect l="l" t="t" r="r" b="b"/>
             <a:pathLst>
-              <a:path h="8162790" w="8162790">
+              <a:path w="8162790" h="8162790">
                 <a:moveTo>
                   <a:pt x="0" y="0"/>
                 </a:moveTo>
@@ -3840,19 +3806,19 @@
               </a:extLst>
             </a:blip>
             <a:stretch>
-              <a:fillRect l="0" t="0" r="0" b="0"/>
+              <a:fillRect/>
             </a:stretch>
           </a:blipFill>
         </p:spPr>
       </p:sp>
       <p:sp>
         <p:nvSpPr>
-          <p:cNvPr name="Freeform 4" id="4"/>
+          <p:cNvPr id="4" name="Freeform 4"/>
           <p:cNvSpPr/>
           <p:nvPr/>
         </p:nvSpPr>
         <p:spPr>
-          <a:xfrm flipH="false" flipV="false" rot="0">
+          <a:xfrm>
             <a:off x="859312" y="4554264"/>
             <a:ext cx="5499692" cy="3851770"/>
           </a:xfrm>
@@ -3861,9 +3827,9 @@
             <a:gdLst/>
             <a:ahLst/>
             <a:cxnLst/>
-            <a:rect r="r" b="b" t="t" l="l"/>
+            <a:rect l="l" t="t" r="r" b="b"/>
             <a:pathLst>
-              <a:path h="3851770" w="5499692">
+              <a:path w="5499692" h="3851770">
                 <a:moveTo>
                   <a:pt x="0" y="0"/>
                 </a:moveTo>
@@ -3886,19 +3852,19 @@
           <a:blipFill>
             <a:blip r:embed="rId4"/>
             <a:stretch>
-              <a:fillRect l="0" t="0" r="0" b="0"/>
+              <a:fillRect/>
             </a:stretch>
           </a:blipFill>
         </p:spPr>
       </p:sp>
       <p:sp>
         <p:nvSpPr>
-          <p:cNvPr name="Freeform 5" id="5"/>
+          <p:cNvPr id="5" name="Freeform 5"/>
           <p:cNvSpPr/>
           <p:nvPr/>
         </p:nvSpPr>
         <p:spPr>
-          <a:xfrm flipH="false" flipV="false" rot="0">
+          <a:xfrm>
             <a:off x="11763974" y="702494"/>
             <a:ext cx="5495326" cy="3851770"/>
           </a:xfrm>
@@ -3907,9 +3873,9 @@
             <a:gdLst/>
             <a:ahLst/>
             <a:cxnLst/>
-            <a:rect r="r" b="b" t="t" l="l"/>
+            <a:rect l="l" t="t" r="r" b="b"/>
             <a:pathLst>
-              <a:path h="3851770" w="5495326">
+              <a:path w="5495326" h="3851770">
                 <a:moveTo>
                   <a:pt x="0" y="0"/>
                 </a:moveTo>
@@ -3932,19 +3898,19 @@
           <a:blipFill>
             <a:blip r:embed="rId5"/>
             <a:stretch>
-              <a:fillRect l="0" t="0" r="0" b="0"/>
+              <a:fillRect/>
             </a:stretch>
           </a:blipFill>
         </p:spPr>
       </p:sp>
       <p:sp>
         <p:nvSpPr>
-          <p:cNvPr name="Freeform 6" id="6"/>
+          <p:cNvPr id="6" name="Freeform 6"/>
           <p:cNvSpPr/>
           <p:nvPr/>
         </p:nvSpPr>
         <p:spPr>
-          <a:xfrm flipH="false" flipV="false" rot="0">
+          <a:xfrm>
             <a:off x="7870008" y="5143500"/>
             <a:ext cx="7787932" cy="4436842"/>
           </a:xfrm>
@@ -3953,9 +3919,9 @@
             <a:gdLst/>
             <a:ahLst/>
             <a:cxnLst/>
-            <a:rect r="r" b="b" t="t" l="l"/>
+            <a:rect l="l" t="t" r="r" b="b"/>
             <a:pathLst>
-              <a:path h="4436842" w="7787932">
+              <a:path w="7787932" h="4436842">
                 <a:moveTo>
                   <a:pt x="0" y="0"/>
                 </a:moveTo>
@@ -3978,19 +3944,19 @@
           <a:blipFill>
             <a:blip r:embed="rId6"/>
             <a:stretch>
-              <a:fillRect l="0" t="0" r="0" b="0"/>
+              <a:fillRect/>
             </a:stretch>
           </a:blipFill>
         </p:spPr>
       </p:sp>
       <p:sp>
         <p:nvSpPr>
-          <p:cNvPr name="TextBox 7" id="7"/>
-          <p:cNvSpPr txBox="true"/>
+          <p:cNvPr id="7" name="TextBox 7"/>
+          <p:cNvSpPr txBox="1"/>
           <p:nvPr/>
         </p:nvSpPr>
         <p:spPr>
-          <a:xfrm rot="0">
+          <a:xfrm>
             <a:off x="1020888" y="340986"/>
             <a:ext cx="8710484" cy="2669540"/>
           </a:xfrm>
@@ -3999,7 +3965,7 @@
           </a:prstGeom>
         </p:spPr>
         <p:txBody>
-          <a:bodyPr anchor="t" rtlCol="false" tIns="0" lIns="0" bIns="0" rIns="0">
+          <a:bodyPr lIns="0" tIns="0" rIns="0" bIns="0" rtlCol="0" anchor="t">
             <a:spAutoFit/>
           </a:bodyPr>
           <a:lstStyle/>
@@ -4032,12 +3998,12 @@
       </p:sp>
       <p:sp>
         <p:nvSpPr>
-          <p:cNvPr name="TextBox 8" id="8"/>
-          <p:cNvSpPr txBox="true"/>
+          <p:cNvPr id="8" name="TextBox 8"/>
+          <p:cNvSpPr txBox="1"/>
           <p:nvPr/>
         </p:nvSpPr>
         <p:spPr>
-          <a:xfrm rot="0">
+          <a:xfrm>
             <a:off x="1565697" y="2922871"/>
             <a:ext cx="9909768" cy="727710"/>
           </a:xfrm>
@@ -4046,7 +4012,7 @@
           </a:prstGeom>
         </p:spPr>
         <p:txBody>
-          <a:bodyPr anchor="t" rtlCol="false" tIns="0" lIns="0" bIns="0" rIns="0">
+          <a:bodyPr lIns="0" tIns="0" rIns="0" bIns="0" rtlCol="0" anchor="t">
             <a:spAutoFit/>
           </a:bodyPr>
           <a:lstStyle/>
@@ -4077,13 +4043,14 @@
 </file>
 
 <file path=ppt/slides/slide11.xml><?xml version="1.0" encoding="utf-8"?>
-<p:sld xmlns:p="http://schemas.openxmlformats.org/presentationml/2006/main" xmlns:a="http://schemas.openxmlformats.org/drawingml/2006/main" xmlns:r="http://schemas.openxmlformats.org/officeDocument/2006/relationships">
+<p:sld xmlns:a="http://schemas.openxmlformats.org/drawingml/2006/main" xmlns:r="http://schemas.openxmlformats.org/officeDocument/2006/relationships" xmlns:p="http://schemas.openxmlformats.org/presentationml/2006/main">
   <p:cSld>
     <p:bg>
       <p:bgPr>
         <a:solidFill>
           <a:srgbClr val="010817"/>
         </a:solidFill>
+        <a:effectLst/>
       </p:bgPr>
     </p:bg>
     <p:spTree>
@@ -4102,12 +4069,12 @@
       </p:grpSpPr>
       <p:sp>
         <p:nvSpPr>
-          <p:cNvPr name="Freeform 2" id="2"/>
+          <p:cNvPr id="2" name="Freeform 2"/>
           <p:cNvSpPr/>
           <p:nvPr/>
         </p:nvSpPr>
         <p:spPr>
-          <a:xfrm flipH="false" flipV="false" rot="-5400000">
+          <a:xfrm rot="-5400000">
             <a:off x="9938662" y="-1071754"/>
             <a:ext cx="12080440" cy="12080440"/>
           </a:xfrm>
@@ -4116,9 +4083,9 @@
             <a:gdLst/>
             <a:ahLst/>
             <a:cxnLst/>
-            <a:rect r="r" b="b" t="t" l="l"/>
+            <a:rect l="l" t="t" r="r" b="b"/>
             <a:pathLst>
-              <a:path h="12080440" w="12080440">
+              <a:path w="12080440" h="12080440">
                 <a:moveTo>
                   <a:pt x="0" y="0"/>
                 </a:moveTo>
@@ -4148,19 +4115,19 @@
               </a:extLst>
             </a:blip>
             <a:stretch>
-              <a:fillRect l="0" t="0" r="0" b="0"/>
+              <a:fillRect/>
             </a:stretch>
           </a:blipFill>
         </p:spPr>
       </p:sp>
       <p:sp>
         <p:nvSpPr>
-          <p:cNvPr name="TextBox 3" id="3"/>
-          <p:cNvSpPr txBox="true"/>
+          <p:cNvPr id="3" name="TextBox 3"/>
+          <p:cNvSpPr txBox="1"/>
           <p:nvPr/>
         </p:nvSpPr>
         <p:spPr>
-          <a:xfrm rot="0">
+          <a:xfrm>
             <a:off x="1028700" y="1028700"/>
             <a:ext cx="11847066" cy="1393190"/>
           </a:xfrm>
@@ -4169,7 +4136,7 @@
           </a:prstGeom>
         </p:spPr>
         <p:txBody>
-          <a:bodyPr anchor="t" rtlCol="false" tIns="0" lIns="0" bIns="0" rIns="0">
+          <a:bodyPr lIns="0" tIns="0" rIns="0" bIns="0" rtlCol="0" anchor="t">
             <a:spAutoFit/>
           </a:bodyPr>
           <a:lstStyle/>
@@ -4202,26 +4169,26 @@
       </p:sp>
       <p:sp>
         <p:nvSpPr>
-          <p:cNvPr name="TextBox 4" id="4"/>
-          <p:cNvSpPr txBox="true"/>
+          <p:cNvPr id="4" name="TextBox 4"/>
+          <p:cNvSpPr txBox="1"/>
           <p:nvPr/>
         </p:nvSpPr>
         <p:spPr>
-          <a:xfrm rot="0">
+          <a:xfrm>
             <a:off x="771525" y="2905569"/>
-            <a:ext cx="16744950" cy="6352731"/>
+            <a:ext cx="16744950" cy="6457665"/>
           </a:xfrm>
           <a:prstGeom prst="rect">
             <a:avLst/>
           </a:prstGeom>
         </p:spPr>
         <p:txBody>
-          <a:bodyPr anchor="t" rtlCol="false" tIns="0" lIns="0" bIns="0" rIns="0">
+          <a:bodyPr lIns="0" tIns="0" rIns="0" bIns="0" rtlCol="0" anchor="t">
             <a:spAutoFit/>
           </a:bodyPr>
           <a:lstStyle/>
           <a:p>
-            <a:pPr algn="just" marL="448262" indent="-224131" lvl="1">
+            <a:pPr marL="448262" lvl="1" indent="-224131" algn="just">
               <a:lnSpc>
                 <a:spcPts val="2906"/>
               </a:lnSpc>
@@ -4229,7 +4196,7 @@
               <a:buChar char="•"/>
             </a:pPr>
             <a:r>
-              <a:rPr lang="en-US" sz="2076">
+              <a:rPr lang="en-US" sz="2076" dirty="0">
                 <a:solidFill>
                   <a:srgbClr val="FFFFFF"/>
                 </a:solidFill>
@@ -4239,7 +4206,7 @@
             </a:r>
           </a:p>
           <a:p>
-            <a:pPr algn="just" marL="448262" indent="-224131" lvl="1">
+            <a:pPr marL="448262" lvl="1" indent="-224131" algn="just">
               <a:lnSpc>
                 <a:spcPts val="2906"/>
               </a:lnSpc>
@@ -4247,7 +4214,7 @@
               <a:buChar char="•"/>
             </a:pPr>
             <a:r>
-              <a:rPr lang="en-US" sz="2076">
+              <a:rPr lang="en-US" sz="2076" dirty="0">
                 <a:solidFill>
                   <a:srgbClr val="FFFFFF"/>
                 </a:solidFill>
@@ -4257,7 +4224,7 @@
             </a:r>
           </a:p>
           <a:p>
-            <a:pPr algn="just" marL="448262" indent="-224131" lvl="1">
+            <a:pPr marL="448262" lvl="1" indent="-224131" algn="just">
               <a:lnSpc>
                 <a:spcPts val="2906"/>
               </a:lnSpc>
@@ -4265,7 +4232,7 @@
               <a:buChar char="•"/>
             </a:pPr>
             <a:r>
-              <a:rPr lang="en-US" sz="2076">
+              <a:rPr lang="en-US" sz="2076" dirty="0">
                 <a:solidFill>
                   <a:srgbClr val="FFFFFF"/>
                 </a:solidFill>
@@ -4275,7 +4242,7 @@
             </a:r>
           </a:p>
           <a:p>
-            <a:pPr algn="just" marL="448262" indent="-224131" lvl="1">
+            <a:pPr marL="448262" lvl="1" indent="-224131" algn="just">
               <a:lnSpc>
                 <a:spcPts val="2906"/>
               </a:lnSpc>
@@ -4283,7 +4250,7 @@
               <a:buChar char="•"/>
             </a:pPr>
             <a:r>
-              <a:rPr lang="en-US" sz="2076">
+              <a:rPr lang="en-US" sz="2076" dirty="0">
                 <a:solidFill>
                   <a:srgbClr val="FFFFFF"/>
                 </a:solidFill>
@@ -4293,7 +4260,7 @@
             </a:r>
           </a:p>
           <a:p>
-            <a:pPr algn="just" marL="448262" indent="-224131" lvl="1">
+            <a:pPr marL="448262" lvl="1" indent="-224131" algn="just">
               <a:lnSpc>
                 <a:spcPts val="2906"/>
               </a:lnSpc>
@@ -4301,7 +4268,7 @@
               <a:buChar char="•"/>
             </a:pPr>
             <a:r>
-              <a:rPr lang="en-US" sz="2076">
+              <a:rPr lang="en-US" sz="2076" dirty="0">
                 <a:solidFill>
                   <a:srgbClr val="FFFFFF"/>
                 </a:solidFill>
@@ -4311,7 +4278,7 @@
             </a:r>
           </a:p>
           <a:p>
-            <a:pPr algn="just" marL="448262" indent="-224131" lvl="1">
+            <a:pPr marL="448262" lvl="1" indent="-224131" algn="just">
               <a:lnSpc>
                 <a:spcPts val="2906"/>
               </a:lnSpc>
@@ -4319,17 +4286,53 @@
               <a:buChar char="•"/>
             </a:pPr>
             <a:r>
-              <a:rPr lang="en-US" sz="2076">
+              <a:rPr lang="en-US" sz="2076" dirty="0">
                 <a:solidFill>
                   <a:srgbClr val="FFFFFF"/>
                 </a:solidFill>
                 <a:latin typeface="Poppins"/>
               </a:rPr>
-              <a:t>There is a high positive correlation (+0.81) between charges and medicare payments, it means that for higher charges, higher are medicare payments;</a:t>
-            </a:r>
-          </a:p>
-          <a:p>
-            <a:pPr algn="just" marL="448262" indent="-224131" lvl="1">
+              <a:t>There is a high positive correlation (+0.81) between charges and </a:t>
+            </a:r>
+            <a:r>
+              <a:rPr lang="en-US" sz="2076" dirty="0" err="1">
+                <a:solidFill>
+                  <a:srgbClr val="FFFFFF"/>
+                </a:solidFill>
+                <a:latin typeface="Poppins"/>
+              </a:rPr>
+              <a:t>medicare</a:t>
+            </a:r>
+            <a:r>
+              <a:rPr lang="en-US" sz="2076" dirty="0">
+                <a:solidFill>
+                  <a:srgbClr val="FFFFFF"/>
+                </a:solidFill>
+                <a:latin typeface="Poppins"/>
+              </a:rPr>
+              <a:t> payments, it means that for higher charges, higher are </a:t>
+            </a:r>
+            <a:r>
+              <a:rPr lang="en-US" sz="2076" dirty="0" err="1">
+                <a:solidFill>
+                  <a:srgbClr val="FFFFFF"/>
+                </a:solidFill>
+                <a:latin typeface="Poppins"/>
+              </a:rPr>
+              <a:t>medicare</a:t>
+            </a:r>
+            <a:r>
+              <a:rPr lang="en-US" sz="2076" dirty="0">
+                <a:solidFill>
+                  <a:srgbClr val="FFFFFF"/>
+                </a:solidFill>
+                <a:latin typeface="Poppins"/>
+              </a:rPr>
+              <a:t> payments;</a:t>
+            </a:r>
+          </a:p>
+          <a:p>
+            <a:pPr marL="448262" lvl="1" indent="-224131" algn="just">
               <a:lnSpc>
                 <a:spcPts val="2906"/>
               </a:lnSpc>
@@ -4337,17 +4340,35 @@
               <a:buChar char="•"/>
             </a:pPr>
             <a:r>
-              <a:rPr lang="en-US" sz="2076">
+              <a:rPr lang="en-US" sz="2076" dirty="0">
                 <a:solidFill>
                   <a:srgbClr val="FFFFFF"/>
                 </a:solidFill>
                 <a:latin typeface="Poppins"/>
               </a:rPr>
-              <a:t>There is a very high correlation between total and medicare payments (+0.98), as expected;</a:t>
-            </a:r>
-          </a:p>
-          <a:p>
-            <a:pPr algn="just" marL="448262" indent="-224131" lvl="1">
+              <a:t>There is a very high correlation between total and </a:t>
+            </a:r>
+            <a:r>
+              <a:rPr lang="en-US" sz="2076" dirty="0" err="1">
+                <a:solidFill>
+                  <a:srgbClr val="FFFFFF"/>
+                </a:solidFill>
+                <a:latin typeface="Poppins"/>
+              </a:rPr>
+              <a:t>medicare</a:t>
+            </a:r>
+            <a:r>
+              <a:rPr lang="en-US" sz="2076" dirty="0">
+                <a:solidFill>
+                  <a:srgbClr val="FFFFFF"/>
+                </a:solidFill>
+                <a:latin typeface="Poppins"/>
+              </a:rPr>
+              <a:t> payments (+0.98), as expected;</a:t>
+            </a:r>
+          </a:p>
+          <a:p>
+            <a:pPr marL="448262" lvl="1" indent="-224131" algn="just">
               <a:lnSpc>
                 <a:spcPts val="2906"/>
               </a:lnSpc>
@@ -4355,17 +4376,17 @@
               <a:buChar char="•"/>
             </a:pPr>
             <a:r>
-              <a:rPr lang="en-US" sz="2076">
+              <a:rPr lang="en-US" sz="2076" dirty="0">
                 <a:solidFill>
                   <a:srgbClr val="FFFFFF"/>
                 </a:solidFill>
                 <a:latin typeface="Poppins"/>
               </a:rPr>
-              <a:t>In northeast, New York is the city with more providers, 1383 registered;</a:t>
-            </a:r>
-          </a:p>
-          <a:p>
-            <a:pPr algn="just" marL="448262" indent="-224131" lvl="1">
+              <a:t>In northeast, Baltimore is the city with more providers, 14 registered;</a:t>
+            </a:r>
+          </a:p>
+          <a:p>
+            <a:pPr marL="448262" lvl="1" indent="-224131" algn="just">
               <a:lnSpc>
                 <a:spcPts val="2906"/>
               </a:lnSpc>
@@ -4373,17 +4394,17 @@
               <a:buChar char="•"/>
             </a:pPr>
             <a:r>
-              <a:rPr lang="en-US" sz="2076">
+              <a:rPr lang="en-US" sz="2076" dirty="0">
                 <a:solidFill>
                   <a:srgbClr val="FFFFFF"/>
                 </a:solidFill>
                 <a:latin typeface="Poppins"/>
               </a:rPr>
-              <a:t>In south, Houston is the city with more providers, 1039 registered;</a:t>
-            </a:r>
-          </a:p>
-          <a:p>
-            <a:pPr algn="just" marL="448262" indent="-224131" lvl="1">
+              <a:t>In south, Houston is the city with more providers, 18 registered;</a:t>
+            </a:r>
+          </a:p>
+          <a:p>
+            <a:pPr marL="448262" lvl="1" indent="-224131" algn="just">
               <a:lnSpc>
                 <a:spcPts val="2906"/>
               </a:lnSpc>
@@ -4391,17 +4412,35 @@
               <a:buChar char="•"/>
             </a:pPr>
             <a:r>
-              <a:rPr lang="en-US" sz="2076">
+              <a:rPr lang="en-US" sz="2076" dirty="0">
                 <a:solidFill>
                   <a:srgbClr val="FFFFFF"/>
                 </a:solidFill>
                 <a:latin typeface="Poppins"/>
               </a:rPr>
-              <a:t>In midwest, Chicago is the city with more providers, 1213 registered;</a:t>
-            </a:r>
-          </a:p>
-          <a:p>
-            <a:pPr algn="just" marL="448262" indent="-224131" lvl="1">
+              <a:t>In </a:t>
+            </a:r>
+            <a:r>
+              <a:rPr lang="en-US" sz="2076" dirty="0" err="1">
+                <a:solidFill>
+                  <a:srgbClr val="FFFFFF"/>
+                </a:solidFill>
+                <a:latin typeface="Poppins"/>
+              </a:rPr>
+              <a:t>midwest</a:t>
+            </a:r>
+            <a:r>
+              <a:rPr lang="en-US" sz="2076" dirty="0">
+                <a:solidFill>
+                  <a:srgbClr val="FFFFFF"/>
+                </a:solidFill>
+                <a:latin typeface="Poppins"/>
+              </a:rPr>
+              <a:t>, Chicago is the city with more providers, 25 registered;</a:t>
+            </a:r>
+          </a:p>
+          <a:p>
+            <a:pPr marL="448262" lvl="1" indent="-224131" algn="just">
               <a:lnSpc>
                 <a:spcPts val="2906"/>
               </a:lnSpc>
@@ -4409,17 +4448,17 @@
               <a:buChar char="•"/>
             </a:pPr>
             <a:r>
-              <a:rPr lang="en-US" sz="2076">
+              <a:rPr lang="en-US" sz="2076" dirty="0">
                 <a:solidFill>
                   <a:srgbClr val="FFFFFF"/>
                 </a:solidFill>
                 <a:latin typeface="Poppins"/>
               </a:rPr>
-              <a:t>In west, Los Angeles is the city with more providers, 902 registered;</a:t>
-            </a:r>
-          </a:p>
-          <a:p>
-            <a:pPr algn="just" marL="448262" indent="-224131" lvl="1">
+              <a:t>In west, Los Angeles is the city with more providers, 16 registered;</a:t>
+            </a:r>
+          </a:p>
+          <a:p>
+            <a:pPr marL="448262" lvl="1" indent="-224131" algn="just">
               <a:lnSpc>
                 <a:spcPts val="2906"/>
               </a:lnSpc>
@@ -4427,7 +4466,7 @@
               <a:buChar char="•"/>
             </a:pPr>
             <a:r>
-              <a:rPr lang="en-US" sz="2076">
+              <a:rPr lang="en-US" sz="2076" dirty="0">
                 <a:solidFill>
                   <a:srgbClr val="FFFFFF"/>
                 </a:solidFill>
@@ -4437,7 +4476,7 @@
             </a:r>
           </a:p>
           <a:p>
-            <a:pPr algn="just" marL="448262" indent="-224131" lvl="1">
+            <a:pPr marL="448262" lvl="1" indent="-224131" algn="just">
               <a:lnSpc>
                 <a:spcPts val="2906"/>
               </a:lnSpc>
@@ -4445,7 +4484,7 @@
               <a:buChar char="•"/>
             </a:pPr>
             <a:r>
-              <a:rPr lang="en-US" sz="2076">
+              <a:rPr lang="en-US" sz="2076" dirty="0">
                 <a:solidFill>
                   <a:srgbClr val="FFFFFF"/>
                 </a:solidFill>
@@ -4455,7 +4494,7 @@
             </a:r>
           </a:p>
           <a:p>
-            <a:pPr algn="just" marL="448262" indent="-224131" lvl="1">
+            <a:pPr marL="448262" lvl="1" indent="-224131" algn="just">
               <a:lnSpc>
                 <a:spcPts val="2906"/>
               </a:lnSpc>
@@ -4463,7 +4502,7 @@
               <a:buChar char="•"/>
             </a:pPr>
             <a:r>
-              <a:rPr lang="en-US" sz="2076">
+              <a:rPr lang="en-US" sz="2076" dirty="0">
                 <a:solidFill>
                   <a:srgbClr val="FFFFFF"/>
                 </a:solidFill>
@@ -4473,7 +4512,7 @@
             </a:r>
           </a:p>
           <a:p>
-            <a:pPr algn="just" marL="448262" indent="-224131" lvl="1">
+            <a:pPr marL="448262" lvl="1" indent="-224131" algn="just">
               <a:lnSpc>
                 <a:spcPts val="2906"/>
               </a:lnSpc>
@@ -4481,7 +4520,7 @@
               <a:buChar char="•"/>
             </a:pPr>
             <a:r>
-              <a:rPr lang="en-US" sz="2076">
+              <a:rPr lang="en-US" sz="2076" dirty="0">
                 <a:solidFill>
                   <a:srgbClr val="FFFFFF"/>
                 </a:solidFill>
@@ -4496,6 +4535,12 @@
                 <a:spcPts val="4492"/>
               </a:lnSpc>
             </a:pPr>
+            <a:endParaRPr lang="en-US" sz="2076" dirty="0">
+              <a:solidFill>
+                <a:srgbClr val="FFFFFF"/>
+              </a:solidFill>
+              <a:latin typeface="Poppins"/>
+            </a:endParaRPr>
           </a:p>
         </p:txBody>
       </p:sp>
@@ -4508,13 +4553,14 @@
 </file>
 
 <file path=ppt/slides/slide2.xml><?xml version="1.0" encoding="utf-8"?>
-<p:sld xmlns:p="http://schemas.openxmlformats.org/presentationml/2006/main" xmlns:a="http://schemas.openxmlformats.org/drawingml/2006/main" xmlns:r="http://schemas.openxmlformats.org/officeDocument/2006/relationships">
+<p:sld xmlns:a="http://schemas.openxmlformats.org/drawingml/2006/main" xmlns:r="http://schemas.openxmlformats.org/officeDocument/2006/relationships" xmlns:p="http://schemas.openxmlformats.org/presentationml/2006/main">
   <p:cSld>
     <p:bg>
       <p:bgPr>
         <a:solidFill>
           <a:srgbClr val="010817"/>
         </a:solidFill>
+        <a:effectLst/>
       </p:bgPr>
     </p:bg>
     <p:spTree>
@@ -4533,12 +4579,12 @@
       </p:grpSpPr>
       <p:sp>
         <p:nvSpPr>
-          <p:cNvPr name="Freeform 2" id="2"/>
+          <p:cNvPr id="2" name="Freeform 2"/>
           <p:cNvSpPr/>
           <p:nvPr/>
         </p:nvSpPr>
         <p:spPr>
-          <a:xfrm flipH="false" flipV="false" rot="0">
+          <a:xfrm>
             <a:off x="1028700" y="5143500"/>
             <a:ext cx="5707176" cy="5707176"/>
           </a:xfrm>
@@ -4547,9 +4593,9 @@
             <a:gdLst/>
             <a:ahLst/>
             <a:cxnLst/>
-            <a:rect r="r" b="b" t="t" l="l"/>
+            <a:rect l="l" t="t" r="r" b="b"/>
             <a:pathLst>
-              <a:path h="5707176" w="5707176">
+              <a:path w="5707176" h="5707176">
                 <a:moveTo>
                   <a:pt x="0" y="0"/>
                 </a:moveTo>
@@ -4579,19 +4625,19 @@
               </a:extLst>
             </a:blip>
             <a:stretch>
-              <a:fillRect l="0" t="0" r="0" b="0"/>
+              <a:fillRect/>
             </a:stretch>
           </a:blipFill>
         </p:spPr>
       </p:sp>
       <p:sp>
         <p:nvSpPr>
-          <p:cNvPr name="Freeform 3" id="3"/>
+          <p:cNvPr id="3" name="Freeform 3"/>
           <p:cNvSpPr/>
           <p:nvPr/>
         </p:nvSpPr>
         <p:spPr>
-          <a:xfrm flipH="false" flipV="false" rot="0">
+          <a:xfrm>
             <a:off x="1028700" y="1232482"/>
             <a:ext cx="5707176" cy="5707176"/>
           </a:xfrm>
@@ -4600,9 +4646,9 @@
             <a:gdLst/>
             <a:ahLst/>
             <a:cxnLst/>
-            <a:rect r="r" b="b" t="t" l="l"/>
+            <a:rect l="l" t="t" r="r" b="b"/>
             <a:pathLst>
-              <a:path h="5707176" w="5707176">
+              <a:path w="5707176" h="5707176">
                 <a:moveTo>
                   <a:pt x="0" y="0"/>
                 </a:moveTo>
@@ -4632,19 +4678,19 @@
               </a:extLst>
             </a:blip>
             <a:stretch>
-              <a:fillRect l="0" t="0" r="0" b="0"/>
+              <a:fillRect/>
             </a:stretch>
           </a:blipFill>
         </p:spPr>
       </p:sp>
       <p:sp>
         <p:nvSpPr>
-          <p:cNvPr name="Freeform 4" id="4"/>
+          <p:cNvPr id="4" name="Freeform 4"/>
           <p:cNvSpPr/>
           <p:nvPr/>
         </p:nvSpPr>
         <p:spPr>
-          <a:xfrm flipH="false" flipV="false" rot="0">
+          <a:xfrm>
             <a:off x="1028700" y="-2491638"/>
             <a:ext cx="5707176" cy="5707176"/>
           </a:xfrm>
@@ -4653,9 +4699,9 @@
             <a:gdLst/>
             <a:ahLst/>
             <a:cxnLst/>
-            <a:rect r="r" b="b" t="t" l="l"/>
+            <a:rect l="l" t="t" r="r" b="b"/>
             <a:pathLst>
-              <a:path h="5707176" w="5707176">
+              <a:path w="5707176" h="5707176">
                 <a:moveTo>
                   <a:pt x="0" y="0"/>
                 </a:moveTo>
@@ -4685,19 +4731,19 @@
               </a:extLst>
             </a:blip>
             <a:stretch>
-              <a:fillRect l="0" t="0" r="0" b="0"/>
+              <a:fillRect/>
             </a:stretch>
           </a:blipFill>
         </p:spPr>
       </p:sp>
       <p:sp>
         <p:nvSpPr>
-          <p:cNvPr name="TextBox 5" id="5"/>
-          <p:cNvSpPr txBox="true"/>
+          <p:cNvPr id="5" name="TextBox 5"/>
+          <p:cNvSpPr txBox="1"/>
           <p:nvPr/>
         </p:nvSpPr>
         <p:spPr>
-          <a:xfrm rot="0">
+          <a:xfrm>
             <a:off x="2061917" y="1232482"/>
             <a:ext cx="8990044" cy="1393190"/>
           </a:xfrm>
@@ -4706,7 +4752,7 @@
           </a:prstGeom>
         </p:spPr>
         <p:txBody>
-          <a:bodyPr anchor="t" rtlCol="false" tIns="0" lIns="0" bIns="0" rIns="0">
+          <a:bodyPr lIns="0" tIns="0" rIns="0" bIns="0" rtlCol="0" anchor="t">
             <a:spAutoFit/>
           </a:bodyPr>
           <a:lstStyle/>
@@ -4739,12 +4785,12 @@
       </p:sp>
       <p:sp>
         <p:nvSpPr>
-          <p:cNvPr name="TextBox 6" id="6"/>
-          <p:cNvSpPr txBox="true"/>
+          <p:cNvPr id="6" name="TextBox 6"/>
+          <p:cNvSpPr txBox="1"/>
           <p:nvPr/>
         </p:nvSpPr>
         <p:spPr>
-          <a:xfrm rot="0">
+          <a:xfrm>
             <a:off x="1028700" y="2896974"/>
             <a:ext cx="16612995" cy="5556285"/>
           </a:xfrm>
@@ -4753,12 +4799,12 @@
           </a:prstGeom>
         </p:spPr>
         <p:txBody>
-          <a:bodyPr anchor="t" rtlCol="false" tIns="0" lIns="0" bIns="0" rIns="0">
+          <a:bodyPr lIns="0" tIns="0" rIns="0" bIns="0" rtlCol="0" anchor="t">
             <a:spAutoFit/>
           </a:bodyPr>
           <a:lstStyle/>
           <a:p>
-            <a:pPr algn="just" marL="620417" indent="-310209" lvl="1">
+            <a:pPr marL="620417" lvl="1" indent="-310209" algn="just">
               <a:lnSpc>
                 <a:spcPts val="4023"/>
               </a:lnSpc>
@@ -4776,7 +4822,7 @@
             </a:r>
           </a:p>
           <a:p>
-            <a:pPr algn="just" marL="620417" indent="-310209" lvl="1">
+            <a:pPr marL="620417" lvl="1" indent="-310209" algn="just">
               <a:lnSpc>
                 <a:spcPts val="4023"/>
               </a:lnSpc>
@@ -4794,7 +4840,7 @@
             </a:r>
           </a:p>
           <a:p>
-            <a:pPr algn="just" marL="620417" indent="-310209" lvl="1">
+            <a:pPr marL="620417" lvl="1" indent="-310209" algn="just">
               <a:lnSpc>
                 <a:spcPts val="4023"/>
               </a:lnSpc>
@@ -4812,7 +4858,7 @@
             </a:r>
           </a:p>
           <a:p>
-            <a:pPr algn="just" marL="620417" indent="-310209" lvl="1">
+            <a:pPr marL="620417" lvl="1" indent="-310209" algn="just">
               <a:lnSpc>
                 <a:spcPts val="4023"/>
               </a:lnSpc>
@@ -4840,7 +4886,7 @@
             </a:r>
           </a:p>
           <a:p>
-            <a:pPr algn="just" marL="620417" indent="-310209" lvl="1">
+            <a:pPr marL="620417" lvl="1" indent="-310209" algn="just">
               <a:lnSpc>
                 <a:spcPts val="4023"/>
               </a:lnSpc>
@@ -4858,7 +4904,7 @@
             </a:r>
           </a:p>
           <a:p>
-            <a:pPr algn="just" marL="620417" indent="-310209" lvl="1">
+            <a:pPr marL="620417" lvl="1" indent="-310209" algn="just">
               <a:lnSpc>
                 <a:spcPts val="4023"/>
               </a:lnSpc>
@@ -4881,6 +4927,12 @@
                 <a:spcPts val="4023"/>
               </a:lnSpc>
             </a:pPr>
+            <a:endParaRPr lang="en-US" sz="2873">
+              <a:solidFill>
+                <a:srgbClr val="FFFFFF"/>
+              </a:solidFill>
+              <a:latin typeface="Poppins"/>
+            </a:endParaRPr>
           </a:p>
         </p:txBody>
       </p:sp>
@@ -4893,13 +4945,14 @@
 </file>
 
 <file path=ppt/slides/slide3.xml><?xml version="1.0" encoding="utf-8"?>
-<p:sld xmlns:p="http://schemas.openxmlformats.org/presentationml/2006/main" xmlns:a="http://schemas.openxmlformats.org/drawingml/2006/main" xmlns:r="http://schemas.openxmlformats.org/officeDocument/2006/relationships">
+<p:sld xmlns:a="http://schemas.openxmlformats.org/drawingml/2006/main" xmlns:r="http://schemas.openxmlformats.org/officeDocument/2006/relationships" xmlns:p="http://schemas.openxmlformats.org/presentationml/2006/main">
   <p:cSld>
     <p:bg>
       <p:bgPr>
         <a:solidFill>
           <a:srgbClr val="010817"/>
         </a:solidFill>
+        <a:effectLst/>
       </p:bgPr>
     </p:bg>
     <p:spTree>
@@ -4918,12 +4971,12 @@
       </p:grpSpPr>
       <p:sp>
         <p:nvSpPr>
-          <p:cNvPr name="Freeform 2" id="2"/>
+          <p:cNvPr id="2" name="Freeform 2"/>
           <p:cNvSpPr/>
           <p:nvPr/>
         </p:nvSpPr>
         <p:spPr>
-          <a:xfrm flipH="false" flipV="false" rot="-5400000">
+          <a:xfrm rot="-5400000">
             <a:off x="12925344" y="-1241720"/>
             <a:ext cx="8229600" cy="8229600"/>
           </a:xfrm>
@@ -4932,9 +4985,9 @@
             <a:gdLst/>
             <a:ahLst/>
             <a:cxnLst/>
-            <a:rect r="r" b="b" t="t" l="l"/>
+            <a:rect l="l" t="t" r="r" b="b"/>
             <a:pathLst>
-              <a:path h="8229600" w="8229600">
+              <a:path w="8229600" h="8229600">
                 <a:moveTo>
                   <a:pt x="0" y="0"/>
                 </a:moveTo>
@@ -4964,19 +5017,19 @@
               </a:extLst>
             </a:blip>
             <a:stretch>
-              <a:fillRect l="0" t="0" r="0" b="0"/>
+              <a:fillRect/>
             </a:stretch>
           </a:blipFill>
         </p:spPr>
       </p:sp>
       <p:grpSp>
         <p:nvGrpSpPr>
-          <p:cNvPr name="Group 3" id="3"/>
+          <p:cNvPr id="3" name="Group 3"/>
           <p:cNvGrpSpPr/>
           <p:nvPr/>
         </p:nvGrpSpPr>
         <p:grpSpPr>
-          <a:xfrm rot="0">
+          <a:xfrm>
             <a:off x="10706614" y="432042"/>
             <a:ext cx="5790303" cy="915583"/>
             <a:chOff x="0" y="0"/>
@@ -4985,12 +5038,12 @@
         </p:grpSpPr>
         <p:sp>
           <p:nvSpPr>
-            <p:cNvPr name="Freeform 4" id="4"/>
+            <p:cNvPr id="4" name="Freeform 4"/>
             <p:cNvSpPr/>
             <p:nvPr/>
           </p:nvSpPr>
           <p:spPr>
-            <a:xfrm flipH="false" flipV="false" rot="0">
+            <a:xfrm>
               <a:off x="0" y="0"/>
               <a:ext cx="1606712" cy="254059"/>
             </a:xfrm>
@@ -4999,9 +5052,9 @@
               <a:gdLst/>
               <a:ahLst/>
               <a:cxnLst/>
-              <a:rect r="r" b="b" t="t" l="l"/>
+              <a:rect l="l" t="t" r="r" b="b"/>
               <a:pathLst>
-                <a:path h="254059" w="1606712">
+                <a:path w="1606712" h="254059">
                   <a:moveTo>
                     <a:pt x="68190" y="0"/>
                   </a:moveTo>
@@ -5055,8 +5108,8 @@
         </p:sp>
         <p:sp>
           <p:nvSpPr>
-            <p:cNvPr name="TextBox 5" id="5"/>
-            <p:cNvSpPr txBox="true"/>
+            <p:cNvPr id="5" name="TextBox 5"/>
+            <p:cNvSpPr txBox="1"/>
             <p:nvPr/>
           </p:nvSpPr>
           <p:spPr>
@@ -5069,7 +5122,7 @@
             </a:prstGeom>
           </p:spPr>
           <p:txBody>
-            <a:bodyPr anchor="ctr" rtlCol="false" tIns="50800" lIns="50800" bIns="50800" rIns="50800"/>
+            <a:bodyPr lIns="50800" tIns="50800" rIns="50800" bIns="50800" rtlCol="0" anchor="ctr"/>
             <a:lstStyle/>
             <a:p>
               <a:pPr algn="ctr">
@@ -5077,18 +5130,19 @@
                   <a:spcPts val="2659"/>
                 </a:lnSpc>
               </a:pPr>
+              <a:endParaRPr/>
             </a:p>
           </p:txBody>
         </p:sp>
       </p:grpSp>
       <p:sp>
         <p:nvSpPr>
-          <p:cNvPr name="Freeform 6" id="6"/>
+          <p:cNvPr id="6" name="Freeform 6"/>
           <p:cNvSpPr/>
           <p:nvPr/>
         </p:nvSpPr>
         <p:spPr>
-          <a:xfrm flipH="false" flipV="false" rot="5209179">
+          <a:xfrm rot="5209179">
             <a:off x="-3043679" y="1101565"/>
             <a:ext cx="12702855" cy="12702855"/>
           </a:xfrm>
@@ -5097,9 +5151,9 @@
             <a:gdLst/>
             <a:ahLst/>
             <a:cxnLst/>
-            <a:rect r="r" b="b" t="t" l="l"/>
+            <a:rect l="l" t="t" r="r" b="b"/>
             <a:pathLst>
-              <a:path h="12702855" w="12702855">
+              <a:path w="12702855" h="12702855">
                 <a:moveTo>
                   <a:pt x="0" y="0"/>
                 </a:moveTo>
@@ -5129,20 +5183,20 @@
               </a:extLst>
             </a:blip>
             <a:stretch>
-              <a:fillRect l="0" t="0" r="0" b="0"/>
+              <a:fillRect/>
             </a:stretch>
           </a:blipFill>
         </p:spPr>
       </p:sp>
       <p:sp>
         <p:nvSpPr>
-          <p:cNvPr name="Freeform 7" id="7"/>
+          <p:cNvPr id="7" name="Freeform 7"/>
           <p:cNvSpPr/>
           <p:nvPr/>
         </p:nvSpPr>
         <p:spPr>
-          <a:xfrm flipH="false" flipV="false" rot="0">
-            <a:off x="16496917" y="6659194"/>
+          <a:xfrm>
+            <a:off x="16615795" y="7780133"/>
             <a:ext cx="868905" cy="896619"/>
           </a:xfrm>
           <a:custGeom>
@@ -5150,9 +5204,9 @@
             <a:gdLst/>
             <a:ahLst/>
             <a:cxnLst/>
-            <a:rect r="r" b="b" t="t" l="l"/>
+            <a:rect l="l" t="t" r="r" b="b"/>
             <a:pathLst>
-              <a:path h="896619" w="868905">
+              <a:path w="868905" h="896619">
                 <a:moveTo>
                   <a:pt x="0" y="0"/>
                 </a:moveTo>
@@ -5181,19 +5235,19 @@
               </a:extLst>
             </a:blip>
             <a:stretch>
-              <a:fillRect l="0" t="0" r="0" b="0"/>
+              <a:fillRect/>
             </a:stretch>
           </a:blipFill>
         </p:spPr>
       </p:sp>
       <p:sp>
         <p:nvSpPr>
-          <p:cNvPr name="TextBox 8" id="8"/>
-          <p:cNvSpPr txBox="true"/>
+          <p:cNvPr id="8" name="TextBox 8"/>
+          <p:cNvSpPr txBox="1"/>
           <p:nvPr/>
         </p:nvSpPr>
         <p:spPr>
-          <a:xfrm rot="0">
+          <a:xfrm>
             <a:off x="1028700" y="6460437"/>
             <a:ext cx="8982051" cy="1985112"/>
           </a:xfrm>
@@ -5202,7 +5256,7 @@
           </a:prstGeom>
         </p:spPr>
         <p:txBody>
-          <a:bodyPr anchor="t" rtlCol="false" tIns="0" lIns="0" bIns="0" rIns="0">
+          <a:bodyPr lIns="0" tIns="0" rIns="0" bIns="0" rtlCol="0" anchor="t">
             <a:spAutoFit/>
           </a:bodyPr>
           <a:lstStyle/>
@@ -5213,7 +5267,7 @@
               </a:lnSpc>
             </a:pPr>
             <a:r>
-              <a:rPr lang="en-US" sz="13058" spc="-326">
+              <a:rPr lang="en-US" sz="13058" spc="-326" dirty="0">
                 <a:solidFill>
                   <a:srgbClr val="FFFFFF"/>
                 </a:solidFill>
@@ -5222,7 +5276,7 @@
               <a:t>Variables</a:t>
             </a:r>
             <a:r>
-              <a:rPr lang="en-US" sz="13058" spc="-326">
+              <a:rPr lang="en-US" sz="13058" spc="-326" dirty="0">
                 <a:solidFill>
                   <a:srgbClr val="89FFDB"/>
                 </a:solidFill>
@@ -5235,12 +5289,12 @@
       </p:sp>
       <p:sp>
         <p:nvSpPr>
-          <p:cNvPr name="TextBox 9" id="9"/>
-          <p:cNvSpPr txBox="true"/>
+          <p:cNvPr id="9" name="TextBox 9"/>
+          <p:cNvSpPr txBox="1"/>
           <p:nvPr/>
         </p:nvSpPr>
         <p:spPr>
-          <a:xfrm rot="0">
+          <a:xfrm>
             <a:off x="1028700" y="5655666"/>
             <a:ext cx="5231694" cy="923925"/>
           </a:xfrm>
@@ -5249,7 +5303,7 @@
           </a:prstGeom>
         </p:spPr>
         <p:txBody>
-          <a:bodyPr anchor="t" rtlCol="false" tIns="0" lIns="0" bIns="0" rIns="0">
+          <a:bodyPr lIns="0" tIns="0" rIns="0" bIns="0" rtlCol="0" anchor="t">
             <a:spAutoFit/>
           </a:bodyPr>
           <a:lstStyle/>
@@ -5273,12 +5327,12 @@
       </p:sp>
       <p:sp>
         <p:nvSpPr>
-          <p:cNvPr name="TextBox 10" id="10"/>
-          <p:cNvSpPr txBox="true"/>
+          <p:cNvPr id="10" name="TextBox 10"/>
+          <p:cNvSpPr txBox="1"/>
           <p:nvPr/>
         </p:nvSpPr>
         <p:spPr>
-          <a:xfrm rot="0">
+          <a:xfrm>
             <a:off x="12235930" y="660385"/>
             <a:ext cx="3259063" cy="478790"/>
           </a:xfrm>
@@ -5287,7 +5341,7 @@
           </a:prstGeom>
         </p:spPr>
         <p:txBody>
-          <a:bodyPr anchor="t" rtlCol="false" tIns="0" lIns="0" bIns="0" rIns="0">
+          <a:bodyPr lIns="0" tIns="0" rIns="0" bIns="0" rtlCol="0" anchor="t">
             <a:spAutoFit/>
           </a:bodyPr>
           <a:lstStyle/>
@@ -5320,12 +5374,12 @@
       </p:sp>
       <p:sp>
         <p:nvSpPr>
-          <p:cNvPr name="Freeform 11" id="11"/>
+          <p:cNvPr id="11" name="Freeform 11"/>
           <p:cNvSpPr/>
           <p:nvPr/>
         </p:nvSpPr>
         <p:spPr>
-          <a:xfrm flipH="false" flipV="false" rot="-10800000">
+          <a:xfrm rot="-10800000">
             <a:off x="2552464" y="-2272359"/>
             <a:ext cx="7415859" cy="7415859"/>
           </a:xfrm>
@@ -5334,9 +5388,9 @@
             <a:gdLst/>
             <a:ahLst/>
             <a:cxnLst/>
-            <a:rect r="r" b="b" t="t" l="l"/>
+            <a:rect l="l" t="t" r="r" b="b"/>
             <a:pathLst>
-              <a:path h="7415859" w="7415859">
+              <a:path w="7415859" h="7415859">
                 <a:moveTo>
                   <a:pt x="0" y="0"/>
                 </a:moveTo>
@@ -5366,19 +5420,19 @@
               </a:extLst>
             </a:blip>
             <a:stretch>
-              <a:fillRect l="0" t="0" r="0" b="0"/>
+              <a:fillRect/>
             </a:stretch>
           </a:blipFill>
         </p:spPr>
       </p:sp>
       <p:sp>
         <p:nvSpPr>
-          <p:cNvPr name="TextBox 12" id="12"/>
-          <p:cNvSpPr txBox="true"/>
+          <p:cNvPr id="12" name="TextBox 12"/>
+          <p:cNvSpPr txBox="1"/>
           <p:nvPr/>
         </p:nvSpPr>
         <p:spPr>
-          <a:xfrm rot="0">
+          <a:xfrm>
             <a:off x="12235930" y="1750764"/>
             <a:ext cx="3259063" cy="478790"/>
           </a:xfrm>
@@ -5387,7 +5441,7 @@
           </a:prstGeom>
         </p:spPr>
         <p:txBody>
-          <a:bodyPr anchor="t" rtlCol="false" tIns="0" lIns="0" bIns="0" rIns="0">
+          <a:bodyPr lIns="0" tIns="0" rIns="0" bIns="0" rtlCol="0" anchor="t">
             <a:spAutoFit/>
           </a:bodyPr>
           <a:lstStyle/>
@@ -5420,12 +5474,12 @@
       </p:sp>
       <p:sp>
         <p:nvSpPr>
-          <p:cNvPr name="TextBox 13" id="13"/>
-          <p:cNvSpPr txBox="true"/>
+          <p:cNvPr id="13" name="TextBox 13"/>
+          <p:cNvSpPr txBox="1"/>
           <p:nvPr/>
         </p:nvSpPr>
         <p:spPr>
-          <a:xfrm rot="0">
+          <a:xfrm>
             <a:off x="12235930" y="2753830"/>
             <a:ext cx="3259063" cy="478790"/>
           </a:xfrm>
@@ -5434,7 +5488,7 @@
           </a:prstGeom>
         </p:spPr>
         <p:txBody>
-          <a:bodyPr anchor="t" rtlCol="false" tIns="0" lIns="0" bIns="0" rIns="0">
+          <a:bodyPr lIns="0" tIns="0" rIns="0" bIns="0" rtlCol="0" anchor="t">
             <a:spAutoFit/>
           </a:bodyPr>
           <a:lstStyle/>
@@ -5467,12 +5521,12 @@
       </p:sp>
       <p:grpSp>
         <p:nvGrpSpPr>
-          <p:cNvPr name="Group 14" id="14"/>
+          <p:cNvPr id="14" name="Group 14"/>
           <p:cNvGrpSpPr/>
           <p:nvPr/>
         </p:nvGrpSpPr>
         <p:grpSpPr>
-          <a:xfrm rot="0">
+          <a:xfrm>
             <a:off x="10706614" y="1483738"/>
             <a:ext cx="5790303" cy="915583"/>
             <a:chOff x="0" y="0"/>
@@ -5481,12 +5535,12 @@
         </p:grpSpPr>
         <p:sp>
           <p:nvSpPr>
-            <p:cNvPr name="Freeform 15" id="15"/>
+            <p:cNvPr id="15" name="Freeform 15"/>
             <p:cNvSpPr/>
             <p:nvPr/>
           </p:nvSpPr>
           <p:spPr>
-            <a:xfrm flipH="false" flipV="false" rot="0">
+            <a:xfrm>
               <a:off x="0" y="0"/>
               <a:ext cx="1606712" cy="254059"/>
             </a:xfrm>
@@ -5495,9 +5549,9 @@
               <a:gdLst/>
               <a:ahLst/>
               <a:cxnLst/>
-              <a:rect r="r" b="b" t="t" l="l"/>
+              <a:rect l="l" t="t" r="r" b="b"/>
               <a:pathLst>
-                <a:path h="254059" w="1606712">
+                <a:path w="1606712" h="254059">
                   <a:moveTo>
                     <a:pt x="68190" y="0"/>
                   </a:moveTo>
@@ -5551,8 +5605,8 @@
         </p:sp>
         <p:sp>
           <p:nvSpPr>
-            <p:cNvPr name="TextBox 16" id="16"/>
-            <p:cNvSpPr txBox="true"/>
+            <p:cNvPr id="16" name="TextBox 16"/>
+            <p:cNvSpPr txBox="1"/>
             <p:nvPr/>
           </p:nvSpPr>
           <p:spPr>
@@ -5565,7 +5619,7 @@
             </a:prstGeom>
           </p:spPr>
           <p:txBody>
-            <a:bodyPr anchor="ctr" rtlCol="false" tIns="50800" lIns="50800" bIns="50800" rIns="50800"/>
+            <a:bodyPr lIns="50800" tIns="50800" rIns="50800" bIns="50800" rtlCol="0" anchor="ctr"/>
             <a:lstStyle/>
             <a:p>
               <a:pPr algn="ctr">
@@ -5573,18 +5627,19 @@
                   <a:spcPts val="2659"/>
                 </a:lnSpc>
               </a:pPr>
+              <a:endParaRPr/>
             </a:p>
           </p:txBody>
         </p:sp>
       </p:grpSp>
       <p:grpSp>
         <p:nvGrpSpPr>
-          <p:cNvPr name="Group 17" id="17"/>
+          <p:cNvPr id="17" name="Group 17"/>
           <p:cNvGrpSpPr/>
           <p:nvPr/>
         </p:nvGrpSpPr>
         <p:grpSpPr>
-          <a:xfrm rot="0">
+          <a:xfrm>
             <a:off x="10706614" y="2535434"/>
             <a:ext cx="5790303" cy="915583"/>
             <a:chOff x="0" y="0"/>
@@ -5593,12 +5648,12 @@
         </p:grpSpPr>
         <p:sp>
           <p:nvSpPr>
-            <p:cNvPr name="Freeform 18" id="18"/>
+            <p:cNvPr id="18" name="Freeform 18"/>
             <p:cNvSpPr/>
             <p:nvPr/>
           </p:nvSpPr>
           <p:spPr>
-            <a:xfrm flipH="false" flipV="false" rot="0">
+            <a:xfrm>
               <a:off x="0" y="0"/>
               <a:ext cx="1606712" cy="254059"/>
             </a:xfrm>
@@ -5607,9 +5662,9 @@
               <a:gdLst/>
               <a:ahLst/>
               <a:cxnLst/>
-              <a:rect r="r" b="b" t="t" l="l"/>
+              <a:rect l="l" t="t" r="r" b="b"/>
               <a:pathLst>
-                <a:path h="254059" w="1606712">
+                <a:path w="1606712" h="254059">
                   <a:moveTo>
                     <a:pt x="68190" y="0"/>
                   </a:moveTo>
@@ -5663,8 +5718,8 @@
         </p:sp>
         <p:sp>
           <p:nvSpPr>
-            <p:cNvPr name="TextBox 19" id="19"/>
-            <p:cNvSpPr txBox="true"/>
+            <p:cNvPr id="19" name="TextBox 19"/>
+            <p:cNvSpPr txBox="1"/>
             <p:nvPr/>
           </p:nvSpPr>
           <p:spPr>
@@ -5677,7 +5732,7 @@
             </a:prstGeom>
           </p:spPr>
           <p:txBody>
-            <a:bodyPr anchor="ctr" rtlCol="false" tIns="50800" lIns="50800" bIns="50800" rIns="50800"/>
+            <a:bodyPr lIns="50800" tIns="50800" rIns="50800" bIns="50800" rtlCol="0" anchor="ctr"/>
             <a:lstStyle/>
             <a:p>
               <a:pPr algn="ctr">
@@ -5685,18 +5740,19 @@
                   <a:spcPts val="2659"/>
                 </a:lnSpc>
               </a:pPr>
+              <a:endParaRPr/>
             </a:p>
           </p:txBody>
         </p:sp>
       </p:grpSp>
       <p:sp>
         <p:nvSpPr>
-          <p:cNvPr name="TextBox 20" id="20"/>
-          <p:cNvSpPr txBox="true"/>
+          <p:cNvPr id="20" name="TextBox 20"/>
+          <p:cNvSpPr txBox="1"/>
           <p:nvPr/>
         </p:nvSpPr>
         <p:spPr>
-          <a:xfrm rot="0">
+          <a:xfrm>
             <a:off x="11595223" y="3766778"/>
             <a:ext cx="4013086" cy="478790"/>
           </a:xfrm>
@@ -5705,7 +5761,7 @@
           </a:prstGeom>
         </p:spPr>
         <p:txBody>
-          <a:bodyPr anchor="t" rtlCol="false" tIns="0" lIns="0" bIns="0" rIns="0">
+          <a:bodyPr lIns="0" tIns="0" rIns="0" bIns="0" rtlCol="0" anchor="t">
             <a:spAutoFit/>
           </a:bodyPr>
           <a:lstStyle/>
@@ -5738,12 +5794,12 @@
       </p:sp>
       <p:sp>
         <p:nvSpPr>
-          <p:cNvPr name="TextBox 21" id="21"/>
-          <p:cNvSpPr txBox="true"/>
+          <p:cNvPr id="21" name="TextBox 21"/>
+          <p:cNvSpPr txBox="1"/>
           <p:nvPr/>
         </p:nvSpPr>
         <p:spPr>
-          <a:xfrm rot="0">
+          <a:xfrm>
             <a:off x="11379787" y="4796582"/>
             <a:ext cx="4632462" cy="478790"/>
           </a:xfrm>
@@ -5752,7 +5808,7 @@
           </a:prstGeom>
         </p:spPr>
         <p:txBody>
-          <a:bodyPr anchor="t" rtlCol="false" tIns="0" lIns="0" bIns="0" rIns="0">
+          <a:bodyPr lIns="0" tIns="0" rIns="0" bIns="0" rtlCol="0" anchor="t">
             <a:spAutoFit/>
           </a:bodyPr>
           <a:lstStyle/>
@@ -5785,12 +5841,12 @@
       </p:sp>
       <p:sp>
         <p:nvSpPr>
-          <p:cNvPr name="TextBox 22" id="22"/>
-          <p:cNvSpPr txBox="true"/>
+          <p:cNvPr id="22" name="TextBox 22"/>
+          <p:cNvSpPr txBox="1"/>
           <p:nvPr/>
         </p:nvSpPr>
         <p:spPr>
-          <a:xfrm rot="0">
+          <a:xfrm>
             <a:off x="11783728" y="5829336"/>
             <a:ext cx="3824580" cy="478790"/>
           </a:xfrm>
@@ -5799,7 +5855,7 @@
           </a:prstGeom>
         </p:spPr>
         <p:txBody>
-          <a:bodyPr anchor="t" rtlCol="false" tIns="0" lIns="0" bIns="0" rIns="0">
+          <a:bodyPr lIns="0" tIns="0" rIns="0" bIns="0" rtlCol="0" anchor="t">
             <a:spAutoFit/>
           </a:bodyPr>
           <a:lstStyle/>
@@ -5810,7 +5866,7 @@
               </a:lnSpc>
             </a:pPr>
             <a:r>
-              <a:rPr lang="en-US" sz="3200" spc="-80">
+              <a:rPr lang="en-US" sz="3200" spc="-80" dirty="0">
                 <a:solidFill>
                   <a:srgbClr val="89FFDB"/>
                 </a:solidFill>
@@ -5819,7 +5875,7 @@
               <a:t>Total </a:t>
             </a:r>
             <a:r>
-              <a:rPr lang="en-US" sz="3200" spc="-80">
+              <a:rPr lang="en-US" sz="3200" spc="-80" dirty="0">
                 <a:solidFill>
                   <a:srgbClr val="FFFFFF"/>
                 </a:solidFill>
@@ -5832,13 +5888,13 @@
       </p:sp>
       <p:sp>
         <p:nvSpPr>
-          <p:cNvPr name="TextBox 23" id="23"/>
-          <p:cNvSpPr txBox="true"/>
+          <p:cNvPr id="23" name="TextBox 23"/>
+          <p:cNvSpPr txBox="1"/>
           <p:nvPr/>
         </p:nvSpPr>
         <p:spPr>
-          <a:xfrm rot="0">
-            <a:off x="11595223" y="6887794"/>
+          <a:xfrm>
+            <a:off x="11621582" y="8153922"/>
             <a:ext cx="4822771" cy="478790"/>
           </a:xfrm>
           <a:prstGeom prst="rect">
@@ -5846,7 +5902,7 @@
           </a:prstGeom>
         </p:spPr>
         <p:txBody>
-          <a:bodyPr anchor="t" rtlCol="false" tIns="0" lIns="0" bIns="0" rIns="0">
+          <a:bodyPr lIns="0" tIns="0" rIns="0" bIns="0" rtlCol="0" anchor="t">
             <a:spAutoFit/>
           </a:bodyPr>
           <a:lstStyle/>
@@ -5857,7 +5913,7 @@
               </a:lnSpc>
             </a:pPr>
             <a:r>
-              <a:rPr lang="en-US" sz="3200" spc="-80">
+              <a:rPr lang="en-US" sz="3200" spc="-80" dirty="0">
                 <a:solidFill>
                   <a:srgbClr val="89FFDB"/>
                 </a:solidFill>
@@ -5866,7 +5922,7 @@
               <a:t>Avg Total </a:t>
             </a:r>
             <a:r>
-              <a:rPr lang="en-US" sz="3200" spc="-80">
+              <a:rPr lang="en-US" sz="3200" spc="-80" dirty="0">
                 <a:solidFill>
                   <a:srgbClr val="FFFFFF"/>
                 </a:solidFill>
@@ -5879,13 +5935,13 @@
       </p:sp>
       <p:sp>
         <p:nvSpPr>
-          <p:cNvPr name="TextBox 24" id="24"/>
-          <p:cNvSpPr txBox="true"/>
+          <p:cNvPr id="24" name="TextBox 24"/>
+          <p:cNvSpPr txBox="1"/>
           <p:nvPr/>
         </p:nvSpPr>
         <p:spPr>
-          <a:xfrm rot="0">
-            <a:off x="11177888" y="7879576"/>
+          <a:xfrm>
+            <a:off x="11261515" y="9119071"/>
             <a:ext cx="5375146" cy="478790"/>
           </a:xfrm>
           <a:prstGeom prst="rect">
@@ -5893,7 +5949,7 @@
           </a:prstGeom>
         </p:spPr>
         <p:txBody>
-          <a:bodyPr anchor="t" rtlCol="false" tIns="0" lIns="0" bIns="0" rIns="0">
+          <a:bodyPr lIns="0" tIns="0" rIns="0" bIns="0" rtlCol="0" anchor="t">
             <a:spAutoFit/>
           </a:bodyPr>
           <a:lstStyle/>
@@ -5904,7 +5960,7 @@
               </a:lnSpc>
             </a:pPr>
             <a:r>
-              <a:rPr lang="en-US" sz="3200" spc="-80">
+              <a:rPr lang="en-US" sz="3200" spc="-80" dirty="0">
                 <a:solidFill>
                   <a:srgbClr val="89FFDB"/>
                 </a:solidFill>
@@ -5913,7 +5969,7 @@
               <a:t>Avg Medicare </a:t>
             </a:r>
             <a:r>
-              <a:rPr lang="en-US" sz="3200" spc="-80">
+              <a:rPr lang="en-US" sz="3200" spc="-80" dirty="0">
                 <a:solidFill>
                   <a:srgbClr val="FFFFFF"/>
                 </a:solidFill>
@@ -5926,12 +5982,12 @@
       </p:sp>
       <p:grpSp>
         <p:nvGrpSpPr>
-          <p:cNvPr name="Group 25" id="25"/>
+          <p:cNvPr id="25" name="Group 25"/>
           <p:cNvGrpSpPr/>
           <p:nvPr/>
         </p:nvGrpSpPr>
         <p:grpSpPr>
-          <a:xfrm rot="0">
+          <a:xfrm>
             <a:off x="10706614" y="3538099"/>
             <a:ext cx="5790303" cy="915583"/>
             <a:chOff x="0" y="0"/>
@@ -5940,12 +5996,12 @@
         </p:grpSpPr>
         <p:sp>
           <p:nvSpPr>
-            <p:cNvPr name="Freeform 26" id="26"/>
+            <p:cNvPr id="26" name="Freeform 26"/>
             <p:cNvSpPr/>
             <p:nvPr/>
           </p:nvSpPr>
           <p:spPr>
-            <a:xfrm flipH="false" flipV="false" rot="0">
+            <a:xfrm>
               <a:off x="0" y="0"/>
               <a:ext cx="1606712" cy="254059"/>
             </a:xfrm>
@@ -5954,9 +6010,9 @@
               <a:gdLst/>
               <a:ahLst/>
               <a:cxnLst/>
-              <a:rect r="r" b="b" t="t" l="l"/>
+              <a:rect l="l" t="t" r="r" b="b"/>
               <a:pathLst>
-                <a:path h="254059" w="1606712">
+                <a:path w="1606712" h="254059">
                   <a:moveTo>
                     <a:pt x="68190" y="0"/>
                   </a:moveTo>
@@ -6010,8 +6066,8 @@
         </p:sp>
         <p:sp>
           <p:nvSpPr>
-            <p:cNvPr name="TextBox 27" id="27"/>
-            <p:cNvSpPr txBox="true"/>
+            <p:cNvPr id="27" name="TextBox 27"/>
+            <p:cNvSpPr txBox="1"/>
             <p:nvPr/>
           </p:nvSpPr>
           <p:spPr>
@@ -6024,7 +6080,7 @@
             </a:prstGeom>
           </p:spPr>
           <p:txBody>
-            <a:bodyPr anchor="ctr" rtlCol="false" tIns="50800" lIns="50800" bIns="50800" rIns="50800"/>
+            <a:bodyPr lIns="50800" tIns="50800" rIns="50800" bIns="50800" rtlCol="0" anchor="ctr"/>
             <a:lstStyle/>
             <a:p>
               <a:pPr algn="ctr">
@@ -6032,18 +6088,19 @@
                   <a:spcPts val="2659"/>
                 </a:lnSpc>
               </a:pPr>
+              <a:endParaRPr/>
             </a:p>
           </p:txBody>
         </p:sp>
       </p:grpSp>
       <p:grpSp>
         <p:nvGrpSpPr>
-          <p:cNvPr name="Group 28" id="28"/>
+          <p:cNvPr id="28" name="Group 28"/>
           <p:cNvGrpSpPr/>
           <p:nvPr/>
         </p:nvGrpSpPr>
         <p:grpSpPr>
-          <a:xfrm rot="0">
+          <a:xfrm>
             <a:off x="10706614" y="4561329"/>
             <a:ext cx="5790303" cy="915583"/>
             <a:chOff x="0" y="0"/>
@@ -6052,12 +6109,12 @@
         </p:grpSpPr>
         <p:sp>
           <p:nvSpPr>
-            <p:cNvPr name="Freeform 29" id="29"/>
+            <p:cNvPr id="29" name="Freeform 29"/>
             <p:cNvSpPr/>
             <p:nvPr/>
           </p:nvSpPr>
           <p:spPr>
-            <a:xfrm flipH="false" flipV="false" rot="0">
+            <a:xfrm>
               <a:off x="0" y="0"/>
               <a:ext cx="1606712" cy="254059"/>
             </a:xfrm>
@@ -6066,9 +6123,369 @@
               <a:gdLst/>
               <a:ahLst/>
               <a:cxnLst/>
-              <a:rect r="r" b="b" t="t" l="l"/>
+              <a:rect l="l" t="t" r="r" b="b"/>
               <a:pathLst>
-                <a:path h="254059" w="1606712">
+                <a:path w="1606712" h="254059">
+                  <a:moveTo>
+                    <a:pt x="68190" y="0"/>
+                  </a:moveTo>
+                  <a:lnTo>
+                    <a:pt x="1538523" y="0"/>
+                  </a:lnTo>
+                  <a:cubicBezTo>
+                    <a:pt x="1556608" y="0"/>
+                    <a:pt x="1573952" y="7184"/>
+                    <a:pt x="1586740" y="19972"/>
+                  </a:cubicBezTo>
+                  <a:cubicBezTo>
+                    <a:pt x="1599528" y="32760"/>
+                    <a:pt x="1606712" y="50105"/>
+                    <a:pt x="1606712" y="68190"/>
+                  </a:cubicBezTo>
+                  <a:lnTo>
+                    <a:pt x="1606712" y="185869"/>
+                  </a:lnTo>
+                  <a:cubicBezTo>
+                    <a:pt x="1606712" y="223529"/>
+                    <a:pt x="1576183" y="254059"/>
+                    <a:pt x="1538523" y="254059"/>
+                  </a:cubicBezTo>
+                  <a:lnTo>
+                    <a:pt x="68190" y="254059"/>
+                  </a:lnTo>
+                  <a:cubicBezTo>
+                    <a:pt x="30529" y="254059"/>
+                    <a:pt x="0" y="223529"/>
+                    <a:pt x="0" y="185869"/>
+                  </a:cubicBezTo>
+                  <a:lnTo>
+                    <a:pt x="0" y="68190"/>
+                  </a:lnTo>
+                  <a:cubicBezTo>
+                    <a:pt x="0" y="30529"/>
+                    <a:pt x="30529" y="0"/>
+                    <a:pt x="68190" y="0"/>
+                  </a:cubicBezTo>
+                  <a:close/>
+                </a:path>
+              </a:pathLst>
+            </a:custGeom>
+            <a:solidFill>
+              <a:srgbClr val="89FFDB">
+                <a:alpha val="6667"/>
+              </a:srgbClr>
+            </a:solidFill>
+          </p:spPr>
+          <p:txBody>
+            <a:bodyPr/>
+            <a:lstStyle/>
+            <a:p>
+              <a:endParaRPr lang="pt-BR" dirty="0"/>
+            </a:p>
+          </p:txBody>
+        </p:sp>
+        <p:sp>
+          <p:nvSpPr>
+            <p:cNvPr id="30" name="TextBox 30"/>
+            <p:cNvSpPr txBox="1"/>
+            <p:nvPr/>
+          </p:nvSpPr>
+          <p:spPr>
+            <a:xfrm>
+              <a:off x="0" y="-38100"/>
+              <a:ext cx="812800" cy="850900"/>
+            </a:xfrm>
+            <a:prstGeom prst="rect">
+              <a:avLst/>
+            </a:prstGeom>
+          </p:spPr>
+          <p:txBody>
+            <a:bodyPr lIns="50800" tIns="50800" rIns="50800" bIns="50800" rtlCol="0" anchor="ctr"/>
+            <a:lstStyle/>
+            <a:p>
+              <a:pPr algn="ctr">
+                <a:lnSpc>
+                  <a:spcPts val="2659"/>
+                </a:lnSpc>
+              </a:pPr>
+              <a:endParaRPr/>
+            </a:p>
+          </p:txBody>
+        </p:sp>
+      </p:grpSp>
+      <p:grpSp>
+        <p:nvGrpSpPr>
+          <p:cNvPr id="31" name="Group 31"/>
+          <p:cNvGrpSpPr/>
+          <p:nvPr/>
+        </p:nvGrpSpPr>
+        <p:grpSpPr>
+          <a:xfrm>
+            <a:off x="10740647" y="5610261"/>
+            <a:ext cx="5790303" cy="915583"/>
+            <a:chOff x="0" y="0"/>
+            <a:chExt cx="1606712" cy="254059"/>
+          </a:xfrm>
+        </p:grpSpPr>
+        <p:sp>
+          <p:nvSpPr>
+            <p:cNvPr id="32" name="Freeform 32"/>
+            <p:cNvSpPr/>
+            <p:nvPr/>
+          </p:nvSpPr>
+          <p:spPr>
+            <a:xfrm>
+              <a:off x="0" y="0"/>
+              <a:ext cx="1606712" cy="254059"/>
+            </a:xfrm>
+            <a:custGeom>
+              <a:avLst/>
+              <a:gdLst/>
+              <a:ahLst/>
+              <a:cxnLst/>
+              <a:rect l="l" t="t" r="r" b="b"/>
+              <a:pathLst>
+                <a:path w="1606712" h="254059">
+                  <a:moveTo>
+                    <a:pt x="68190" y="0"/>
+                  </a:moveTo>
+                  <a:lnTo>
+                    <a:pt x="1538523" y="0"/>
+                  </a:lnTo>
+                  <a:cubicBezTo>
+                    <a:pt x="1556608" y="0"/>
+                    <a:pt x="1573952" y="7184"/>
+                    <a:pt x="1586740" y="19972"/>
+                  </a:cubicBezTo>
+                  <a:cubicBezTo>
+                    <a:pt x="1599528" y="32760"/>
+                    <a:pt x="1606712" y="50105"/>
+                    <a:pt x="1606712" y="68190"/>
+                  </a:cubicBezTo>
+                  <a:lnTo>
+                    <a:pt x="1606712" y="185869"/>
+                  </a:lnTo>
+                  <a:cubicBezTo>
+                    <a:pt x="1606712" y="223529"/>
+                    <a:pt x="1576183" y="254059"/>
+                    <a:pt x="1538523" y="254059"/>
+                  </a:cubicBezTo>
+                  <a:lnTo>
+                    <a:pt x="68190" y="254059"/>
+                  </a:lnTo>
+                  <a:cubicBezTo>
+                    <a:pt x="30529" y="254059"/>
+                    <a:pt x="0" y="223529"/>
+                    <a:pt x="0" y="185869"/>
+                  </a:cubicBezTo>
+                  <a:lnTo>
+                    <a:pt x="0" y="68190"/>
+                  </a:lnTo>
+                  <a:cubicBezTo>
+                    <a:pt x="0" y="30529"/>
+                    <a:pt x="30529" y="0"/>
+                    <a:pt x="68190" y="0"/>
+                  </a:cubicBezTo>
+                  <a:close/>
+                </a:path>
+              </a:pathLst>
+            </a:custGeom>
+            <a:solidFill>
+              <a:srgbClr val="89FFDB">
+                <a:alpha val="6667"/>
+              </a:srgbClr>
+            </a:solidFill>
+          </p:spPr>
+          <p:txBody>
+            <a:bodyPr/>
+            <a:lstStyle/>
+            <a:p>
+              <a:endParaRPr lang="pt-BR" dirty="0"/>
+            </a:p>
+          </p:txBody>
+        </p:sp>
+        <p:sp>
+          <p:nvSpPr>
+            <p:cNvPr id="33" name="TextBox 33"/>
+            <p:cNvSpPr txBox="1"/>
+            <p:nvPr/>
+          </p:nvSpPr>
+          <p:spPr>
+            <a:xfrm>
+              <a:off x="0" y="-38100"/>
+              <a:ext cx="812800" cy="850900"/>
+            </a:xfrm>
+            <a:prstGeom prst="rect">
+              <a:avLst/>
+            </a:prstGeom>
+          </p:spPr>
+          <p:txBody>
+            <a:bodyPr lIns="50800" tIns="50800" rIns="50800" bIns="50800" rtlCol="0" anchor="ctr"/>
+            <a:lstStyle/>
+            <a:p>
+              <a:pPr algn="ctr">
+                <a:lnSpc>
+                  <a:spcPts val="2659"/>
+                </a:lnSpc>
+              </a:pPr>
+              <a:endParaRPr/>
+            </a:p>
+          </p:txBody>
+        </p:sp>
+      </p:grpSp>
+      <p:grpSp>
+        <p:nvGrpSpPr>
+          <p:cNvPr id="34" name="Group 34"/>
+          <p:cNvGrpSpPr/>
+          <p:nvPr/>
+        </p:nvGrpSpPr>
+        <p:grpSpPr>
+          <a:xfrm>
+            <a:off x="10800866" y="7824975"/>
+            <a:ext cx="5790303" cy="915583"/>
+            <a:chOff x="0" y="0"/>
+            <a:chExt cx="1606712" cy="254059"/>
+          </a:xfrm>
+        </p:grpSpPr>
+        <p:sp>
+          <p:nvSpPr>
+            <p:cNvPr id="35" name="Freeform 35"/>
+            <p:cNvSpPr/>
+            <p:nvPr/>
+          </p:nvSpPr>
+          <p:spPr>
+            <a:xfrm>
+              <a:off x="0" y="0"/>
+              <a:ext cx="1606712" cy="254059"/>
+            </a:xfrm>
+            <a:custGeom>
+              <a:avLst/>
+              <a:gdLst/>
+              <a:ahLst/>
+              <a:cxnLst/>
+              <a:rect l="l" t="t" r="r" b="b"/>
+              <a:pathLst>
+                <a:path w="1606712" h="254059">
+                  <a:moveTo>
+                    <a:pt x="68190" y="0"/>
+                  </a:moveTo>
+                  <a:lnTo>
+                    <a:pt x="1538523" y="0"/>
+                  </a:lnTo>
+                  <a:cubicBezTo>
+                    <a:pt x="1556608" y="0"/>
+                    <a:pt x="1573952" y="7184"/>
+                    <a:pt x="1586740" y="19972"/>
+                  </a:cubicBezTo>
+                  <a:cubicBezTo>
+                    <a:pt x="1599528" y="32760"/>
+                    <a:pt x="1606712" y="50105"/>
+                    <a:pt x="1606712" y="68190"/>
+                  </a:cubicBezTo>
+                  <a:lnTo>
+                    <a:pt x="1606712" y="185869"/>
+                  </a:lnTo>
+                  <a:cubicBezTo>
+                    <a:pt x="1606712" y="223529"/>
+                    <a:pt x="1576183" y="254059"/>
+                    <a:pt x="1538523" y="254059"/>
+                  </a:cubicBezTo>
+                  <a:lnTo>
+                    <a:pt x="68190" y="254059"/>
+                  </a:lnTo>
+                  <a:cubicBezTo>
+                    <a:pt x="30529" y="254059"/>
+                    <a:pt x="0" y="223529"/>
+                    <a:pt x="0" y="185869"/>
+                  </a:cubicBezTo>
+                  <a:lnTo>
+                    <a:pt x="0" y="68190"/>
+                  </a:lnTo>
+                  <a:cubicBezTo>
+                    <a:pt x="0" y="30529"/>
+                    <a:pt x="30529" y="0"/>
+                    <a:pt x="68190" y="0"/>
+                  </a:cubicBezTo>
+                  <a:close/>
+                </a:path>
+              </a:pathLst>
+            </a:custGeom>
+            <a:solidFill>
+              <a:srgbClr val="89FFDB">
+                <a:alpha val="6667"/>
+              </a:srgbClr>
+            </a:solidFill>
+          </p:spPr>
+          <p:txBody>
+            <a:bodyPr/>
+            <a:lstStyle/>
+            <a:p>
+              <a:endParaRPr lang="pt-BR"/>
+            </a:p>
+          </p:txBody>
+        </p:sp>
+        <p:sp>
+          <p:nvSpPr>
+            <p:cNvPr id="36" name="TextBox 36"/>
+            <p:cNvSpPr txBox="1"/>
+            <p:nvPr/>
+          </p:nvSpPr>
+          <p:spPr>
+            <a:xfrm>
+              <a:off x="0" y="-38100"/>
+              <a:ext cx="812800" cy="850900"/>
+            </a:xfrm>
+            <a:prstGeom prst="rect">
+              <a:avLst/>
+            </a:prstGeom>
+          </p:spPr>
+          <p:txBody>
+            <a:bodyPr lIns="50800" tIns="50800" rIns="50800" bIns="50800" rtlCol="0" anchor="ctr"/>
+            <a:lstStyle/>
+            <a:p>
+              <a:pPr algn="ctr">
+                <a:lnSpc>
+                  <a:spcPts val="2659"/>
+                </a:lnSpc>
+              </a:pPr>
+              <a:endParaRPr/>
+            </a:p>
+          </p:txBody>
+        </p:sp>
+      </p:grpSp>
+      <p:grpSp>
+        <p:nvGrpSpPr>
+          <p:cNvPr id="37" name="Group 37"/>
+          <p:cNvGrpSpPr/>
+          <p:nvPr/>
+        </p:nvGrpSpPr>
+        <p:grpSpPr>
+          <a:xfrm>
+            <a:off x="10800866" y="8901396"/>
+            <a:ext cx="5790303" cy="915583"/>
+            <a:chOff x="0" y="0"/>
+            <a:chExt cx="1606712" cy="254059"/>
+          </a:xfrm>
+        </p:grpSpPr>
+        <p:sp>
+          <p:nvSpPr>
+            <p:cNvPr id="38" name="Freeform 38"/>
+            <p:cNvSpPr/>
+            <p:nvPr/>
+          </p:nvSpPr>
+          <p:spPr>
+            <a:xfrm>
+              <a:off x="0" y="0"/>
+              <a:ext cx="1606712" cy="254059"/>
+            </a:xfrm>
+            <a:custGeom>
+              <a:avLst/>
+              <a:gdLst/>
+              <a:ahLst/>
+              <a:cxnLst/>
+              <a:rect l="l" t="t" r="r" b="b"/>
+              <a:pathLst>
+                <a:path w="1606712" h="254059">
                   <a:moveTo>
                     <a:pt x="68190" y="0"/>
                   </a:moveTo>
@@ -6122,8 +6539,8 @@
         </p:sp>
         <p:sp>
           <p:nvSpPr>
-            <p:cNvPr name="TextBox 30" id="30"/>
-            <p:cNvSpPr txBox="true"/>
+            <p:cNvPr id="39" name="TextBox 39"/>
+            <p:cNvSpPr txBox="1"/>
             <p:nvPr/>
           </p:nvSpPr>
           <p:spPr>
@@ -6136,7 +6553,7 @@
             </a:prstGeom>
           </p:spPr>
           <p:txBody>
-            <a:bodyPr anchor="ctr" rtlCol="false" tIns="50800" lIns="50800" bIns="50800" rIns="50800"/>
+            <a:bodyPr lIns="50800" tIns="50800" rIns="50800" bIns="50800" rtlCol="0" anchor="ctr"/>
             <a:lstStyle/>
             <a:p>
               <a:pPr algn="ctr">
@@ -6144,19 +6561,85 @@
                   <a:spcPts val="2659"/>
                 </a:lnSpc>
               </a:pPr>
+              <a:endParaRPr/>
             </a:p>
           </p:txBody>
         </p:sp>
       </p:grpSp>
+      <p:sp>
+        <p:nvSpPr>
+          <p:cNvPr id="40" name="Freeform 40"/>
+          <p:cNvSpPr/>
+          <p:nvPr/>
+        </p:nvSpPr>
+        <p:spPr>
+          <a:xfrm>
+            <a:off x="9790583" y="8802010"/>
+            <a:ext cx="868905" cy="896619"/>
+          </a:xfrm>
+          <a:custGeom>
+            <a:avLst/>
+            <a:gdLst/>
+            <a:ahLst/>
+            <a:cxnLst/>
+            <a:rect l="l" t="t" r="r" b="b"/>
+            <a:pathLst>
+              <a:path w="868905" h="896619">
+                <a:moveTo>
+                  <a:pt x="0" y="0"/>
+                </a:moveTo>
+                <a:lnTo>
+                  <a:pt x="868905" y="0"/>
+                </a:lnTo>
+                <a:lnTo>
+                  <a:pt x="868905" y="896619"/>
+                </a:lnTo>
+                <a:lnTo>
+                  <a:pt x="0" y="896619"/>
+                </a:lnTo>
+                <a:lnTo>
+                  <a:pt x="0" y="0"/>
+                </a:lnTo>
+                <a:close/>
+              </a:path>
+            </a:pathLst>
+          </a:custGeom>
+          <a:blipFill>
+            <a:blip r:embed="rId4">
+              <a:extLst>
+                <a:ext uri="{96DAC541-7B7A-43D3-8B79-37D633B846F1}">
+                  <asvg:svgBlip xmlns:asvg="http://schemas.microsoft.com/office/drawing/2016/SVG/main" r:embed="rId5"/>
+                </a:ext>
+              </a:extLst>
+            </a:blip>
+            <a:stretch>
+              <a:fillRect/>
+            </a:stretch>
+          </a:blipFill>
+        </p:spPr>
+        <p:txBody>
+          <a:bodyPr/>
+          <a:lstStyle/>
+          <a:p>
+            <a:endParaRPr lang="pt-BR" dirty="0"/>
+          </a:p>
+        </p:txBody>
+      </p:sp>
       <p:grpSp>
         <p:nvGrpSpPr>
-          <p:cNvPr name="Group 31" id="31"/>
+          <p:cNvPr id="44" name="Group 37">
+            <a:extLst>
+              <a:ext uri="{FF2B5EF4-FFF2-40B4-BE49-F238E27FC236}">
+                <a16:creationId xmlns:a16="http://schemas.microsoft.com/office/drawing/2014/main" id="{6D96A127-4FCA-29EF-4086-C29A18A3B450}"/>
+              </a:ext>
+            </a:extLst>
+          </p:cNvPr>
           <p:cNvGrpSpPr/>
           <p:nvPr/>
         </p:nvGrpSpPr>
         <p:grpSpPr>
-          <a:xfrm rot="0">
-            <a:off x="10706614" y="5610261"/>
+          <a:xfrm>
+            <a:off x="10706613" y="6675435"/>
             <a:ext cx="5790303" cy="915583"/>
             <a:chOff x="0" y="0"/>
             <a:chExt cx="1606712" cy="254059"/>
@@ -6164,12 +6647,18 @@
         </p:grpSpPr>
         <p:sp>
           <p:nvSpPr>
-            <p:cNvPr name="Freeform 32" id="32"/>
+            <p:cNvPr id="45" name="Freeform 38">
+              <a:extLst>
+                <a:ext uri="{FF2B5EF4-FFF2-40B4-BE49-F238E27FC236}">
+                  <a16:creationId xmlns:a16="http://schemas.microsoft.com/office/drawing/2014/main" id="{38F81251-D868-1D80-A03D-B7BBCABBE65B}"/>
+                </a:ext>
+              </a:extLst>
+            </p:cNvPr>
             <p:cNvSpPr/>
             <p:nvPr/>
           </p:nvSpPr>
           <p:spPr>
-            <a:xfrm flipH="false" flipV="false" rot="0">
+            <a:xfrm>
               <a:off x="0" y="0"/>
               <a:ext cx="1606712" cy="254059"/>
             </a:xfrm>
@@ -6178,9 +6667,9 @@
               <a:gdLst/>
               <a:ahLst/>
               <a:cxnLst/>
-              <a:rect r="r" b="b" t="t" l="l"/>
+              <a:rect l="l" t="t" r="r" b="b"/>
               <a:pathLst>
-                <a:path h="254059" w="1606712">
+                <a:path w="1606712" h="254059">
                   <a:moveTo>
                     <a:pt x="68190" y="0"/>
                   </a:moveTo>
@@ -6234,8 +6723,14 @@
         </p:sp>
         <p:sp>
           <p:nvSpPr>
-            <p:cNvPr name="TextBox 33" id="33"/>
-            <p:cNvSpPr txBox="true"/>
+            <p:cNvPr id="46" name="TextBox 39">
+              <a:extLst>
+                <a:ext uri="{FF2B5EF4-FFF2-40B4-BE49-F238E27FC236}">
+                  <a16:creationId xmlns:a16="http://schemas.microsoft.com/office/drawing/2014/main" id="{182B5734-1CBE-3B9A-500E-B37ACD98E8DD}"/>
+                </a:ext>
+              </a:extLst>
+            </p:cNvPr>
+            <p:cNvSpPr txBox="1"/>
             <p:nvPr/>
           </p:nvSpPr>
           <p:spPr>
@@ -6248,7 +6743,7 @@
             </a:prstGeom>
           </p:spPr>
           <p:txBody>
-            <a:bodyPr anchor="ctr" rtlCol="false" tIns="50800" lIns="50800" bIns="50800" rIns="50800"/>
+            <a:bodyPr lIns="50800" tIns="50800" rIns="50800" bIns="50800" rtlCol="0" anchor="ctr"/>
             <a:lstStyle/>
             <a:p>
               <a:pPr algn="ctr">
@@ -6256,285 +6751,64 @@
                   <a:spcPts val="2659"/>
                 </a:lnSpc>
               </a:pPr>
+              <a:endParaRPr/>
             </a:p>
           </p:txBody>
         </p:sp>
       </p:grpSp>
-      <p:grpSp>
-        <p:nvGrpSpPr>
-          <p:cNvPr name="Group 34" id="34"/>
-          <p:cNvGrpSpPr/>
+      <p:sp>
+        <p:nvSpPr>
+          <p:cNvPr id="48" name="CaixaDeTexto 47">
+            <a:extLst>
+              <a:ext uri="{FF2B5EF4-FFF2-40B4-BE49-F238E27FC236}">
+                <a16:creationId xmlns:a16="http://schemas.microsoft.com/office/drawing/2014/main" id="{4AD245BF-E467-4828-2085-D477B05E38F1}"/>
+              </a:ext>
+            </a:extLst>
+          </p:cNvPr>
+          <p:cNvSpPr txBox="1"/>
           <p:nvPr/>
-        </p:nvGrpSpPr>
-        <p:grpSpPr>
-          <a:xfrm rot="0">
-            <a:off x="10706614" y="6659194"/>
-            <a:ext cx="5790303" cy="915583"/>
-            <a:chOff x="0" y="0"/>
-            <a:chExt cx="1606712" cy="254059"/>
-          </a:xfrm>
-        </p:grpSpPr>
-        <p:sp>
-          <p:nvSpPr>
-            <p:cNvPr name="Freeform 35" id="35"/>
-            <p:cNvSpPr/>
-            <p:nvPr/>
-          </p:nvSpPr>
-          <p:spPr>
-            <a:xfrm flipH="false" flipV="false" rot="0">
-              <a:off x="0" y="0"/>
-              <a:ext cx="1606712" cy="254059"/>
-            </a:xfrm>
-            <a:custGeom>
-              <a:avLst/>
-              <a:gdLst/>
-              <a:ahLst/>
-              <a:cxnLst/>
-              <a:rect r="r" b="b" t="t" l="l"/>
-              <a:pathLst>
-                <a:path h="254059" w="1606712">
-                  <a:moveTo>
-                    <a:pt x="68190" y="0"/>
-                  </a:moveTo>
-                  <a:lnTo>
-                    <a:pt x="1538523" y="0"/>
-                  </a:lnTo>
-                  <a:cubicBezTo>
-                    <a:pt x="1556608" y="0"/>
-                    <a:pt x="1573952" y="7184"/>
-                    <a:pt x="1586740" y="19972"/>
-                  </a:cubicBezTo>
-                  <a:cubicBezTo>
-                    <a:pt x="1599528" y="32760"/>
-                    <a:pt x="1606712" y="50105"/>
-                    <a:pt x="1606712" y="68190"/>
-                  </a:cubicBezTo>
-                  <a:lnTo>
-                    <a:pt x="1606712" y="185869"/>
-                  </a:lnTo>
-                  <a:cubicBezTo>
-                    <a:pt x="1606712" y="223529"/>
-                    <a:pt x="1576183" y="254059"/>
-                    <a:pt x="1538523" y="254059"/>
-                  </a:cubicBezTo>
-                  <a:lnTo>
-                    <a:pt x="68190" y="254059"/>
-                  </a:lnTo>
-                  <a:cubicBezTo>
-                    <a:pt x="30529" y="254059"/>
-                    <a:pt x="0" y="223529"/>
-                    <a:pt x="0" y="185869"/>
-                  </a:cubicBezTo>
-                  <a:lnTo>
-                    <a:pt x="0" y="68190"/>
-                  </a:lnTo>
-                  <a:cubicBezTo>
-                    <a:pt x="0" y="30529"/>
-                    <a:pt x="30529" y="0"/>
-                    <a:pt x="68190" y="0"/>
-                  </a:cubicBezTo>
-                  <a:close/>
-                </a:path>
-              </a:pathLst>
-            </a:custGeom>
-            <a:solidFill>
-              <a:srgbClr val="89FFDB">
-                <a:alpha val="6667"/>
-              </a:srgbClr>
-            </a:solidFill>
-          </p:spPr>
-        </p:sp>
-        <p:sp>
-          <p:nvSpPr>
-            <p:cNvPr name="TextBox 36" id="36"/>
-            <p:cNvSpPr txBox="true"/>
-            <p:nvPr/>
-          </p:nvSpPr>
-          <p:spPr>
-            <a:xfrm>
-              <a:off x="0" y="-38100"/>
-              <a:ext cx="812800" cy="850900"/>
-            </a:xfrm>
-            <a:prstGeom prst="rect">
-              <a:avLst/>
-            </a:prstGeom>
-          </p:spPr>
-          <p:txBody>
-            <a:bodyPr anchor="ctr" rtlCol="false" tIns="50800" lIns="50800" bIns="50800" rIns="50800"/>
-            <a:lstStyle/>
-            <a:p>
-              <a:pPr algn="ctr">
-                <a:lnSpc>
-                  <a:spcPts val="2659"/>
-                </a:lnSpc>
-              </a:pPr>
-            </a:p>
-          </p:txBody>
-        </p:sp>
-      </p:grpSp>
-      <p:grpSp>
-        <p:nvGrpSpPr>
-          <p:cNvPr name="Group 37" id="37"/>
-          <p:cNvGrpSpPr/>
-          <p:nvPr/>
-        </p:nvGrpSpPr>
-        <p:grpSpPr>
-          <a:xfrm rot="0">
-            <a:off x="10762731" y="7708126"/>
-            <a:ext cx="5790303" cy="915583"/>
-            <a:chOff x="0" y="0"/>
-            <a:chExt cx="1606712" cy="254059"/>
-          </a:xfrm>
-        </p:grpSpPr>
-        <p:sp>
-          <p:nvSpPr>
-            <p:cNvPr name="Freeform 38" id="38"/>
-            <p:cNvSpPr/>
-            <p:nvPr/>
-          </p:nvSpPr>
-          <p:spPr>
-            <a:xfrm flipH="false" flipV="false" rot="0">
-              <a:off x="0" y="0"/>
-              <a:ext cx="1606712" cy="254059"/>
-            </a:xfrm>
-            <a:custGeom>
-              <a:avLst/>
-              <a:gdLst/>
-              <a:ahLst/>
-              <a:cxnLst/>
-              <a:rect r="r" b="b" t="t" l="l"/>
-              <a:pathLst>
-                <a:path h="254059" w="1606712">
-                  <a:moveTo>
-                    <a:pt x="68190" y="0"/>
-                  </a:moveTo>
-                  <a:lnTo>
-                    <a:pt x="1538523" y="0"/>
-                  </a:lnTo>
-                  <a:cubicBezTo>
-                    <a:pt x="1556608" y="0"/>
-                    <a:pt x="1573952" y="7184"/>
-                    <a:pt x="1586740" y="19972"/>
-                  </a:cubicBezTo>
-                  <a:cubicBezTo>
-                    <a:pt x="1599528" y="32760"/>
-                    <a:pt x="1606712" y="50105"/>
-                    <a:pt x="1606712" y="68190"/>
-                  </a:cubicBezTo>
-                  <a:lnTo>
-                    <a:pt x="1606712" y="185869"/>
-                  </a:lnTo>
-                  <a:cubicBezTo>
-                    <a:pt x="1606712" y="223529"/>
-                    <a:pt x="1576183" y="254059"/>
-                    <a:pt x="1538523" y="254059"/>
-                  </a:cubicBezTo>
-                  <a:lnTo>
-                    <a:pt x="68190" y="254059"/>
-                  </a:lnTo>
-                  <a:cubicBezTo>
-                    <a:pt x="30529" y="254059"/>
-                    <a:pt x="0" y="223529"/>
-                    <a:pt x="0" y="185869"/>
-                  </a:cubicBezTo>
-                  <a:lnTo>
-                    <a:pt x="0" y="68190"/>
-                  </a:lnTo>
-                  <a:cubicBezTo>
-                    <a:pt x="0" y="30529"/>
-                    <a:pt x="30529" y="0"/>
-                    <a:pt x="68190" y="0"/>
-                  </a:cubicBezTo>
-                  <a:close/>
-                </a:path>
-              </a:pathLst>
-            </a:custGeom>
-            <a:solidFill>
-              <a:srgbClr val="89FFDB">
-                <a:alpha val="6667"/>
-              </a:srgbClr>
-            </a:solidFill>
-          </p:spPr>
-        </p:sp>
-        <p:sp>
-          <p:nvSpPr>
-            <p:cNvPr name="TextBox 39" id="39"/>
-            <p:cNvSpPr txBox="true"/>
-            <p:nvPr/>
-          </p:nvSpPr>
-          <p:spPr>
-            <a:xfrm>
-              <a:off x="0" y="-38100"/>
-              <a:ext cx="812800" cy="850900"/>
-            </a:xfrm>
-            <a:prstGeom prst="rect">
-              <a:avLst/>
-            </a:prstGeom>
-          </p:spPr>
-          <p:txBody>
-            <a:bodyPr anchor="ctr" rtlCol="false" tIns="50800" lIns="50800" bIns="50800" rIns="50800"/>
-            <a:lstStyle/>
-            <a:p>
-              <a:pPr algn="ctr">
-                <a:lnSpc>
-                  <a:spcPts val="2659"/>
-                </a:lnSpc>
-              </a:pPr>
-            </a:p>
-          </p:txBody>
-        </p:sp>
-      </p:grpSp>
-      <p:sp>
-        <p:nvSpPr>
-          <p:cNvPr name="Freeform 40" id="40"/>
-          <p:cNvSpPr/>
-          <p:nvPr/>
-        </p:nvSpPr>
-        <p:spPr>
-          <a:xfrm flipH="false" flipV="false" rot="0">
-            <a:off x="9837709" y="7708126"/>
-            <a:ext cx="868905" cy="896619"/>
-          </a:xfrm>
-          <a:custGeom>
+        </p:nvSpPr>
+        <p:spPr>
+          <a:xfrm>
+            <a:off x="11240733" y="6878981"/>
+            <a:ext cx="5660120" cy="543867"/>
+          </a:xfrm>
+          <a:prstGeom prst="rect">
             <a:avLst/>
-            <a:gdLst/>
-            <a:ahLst/>
-            <a:cxnLst/>
-            <a:rect r="r" b="b" t="t" l="l"/>
-            <a:pathLst>
-              <a:path h="896619" w="868905">
-                <a:moveTo>
-                  <a:pt x="0" y="0"/>
-                </a:moveTo>
-                <a:lnTo>
-                  <a:pt x="868905" y="0"/>
-                </a:lnTo>
-                <a:lnTo>
-                  <a:pt x="868905" y="896619"/>
-                </a:lnTo>
-                <a:lnTo>
-                  <a:pt x="0" y="896619"/>
-                </a:lnTo>
-                <a:lnTo>
-                  <a:pt x="0" y="0"/>
-                </a:lnTo>
-                <a:close/>
-              </a:path>
-            </a:pathLst>
-          </a:custGeom>
-          <a:blipFill>
-            <a:blip r:embed="rId4">
-              <a:extLst>
-                <a:ext uri="{96DAC541-7B7A-43D3-8B79-37D633B846F1}">
-                  <asvg:svgBlip xmlns:asvg="http://schemas.microsoft.com/office/drawing/2016/SVG/main" r:embed="rId5"/>
-                </a:ext>
-              </a:extLst>
-            </a:blip>
-            <a:stretch>
-              <a:fillRect l="0" t="0" r="0" b="0"/>
-            </a:stretch>
-          </a:blipFill>
-        </p:spPr>
+          </a:prstGeom>
+          <a:noFill/>
+        </p:spPr>
+        <p:txBody>
+          <a:bodyPr wrap="square">
+            <a:spAutoFit/>
+          </a:bodyPr>
+          <a:lstStyle/>
+          <a:p>
+            <a:pPr>
+              <a:lnSpc>
+                <a:spcPts val="3520"/>
+              </a:lnSpc>
+            </a:pPr>
+            <a:r>
+              <a:rPr lang="en-US" sz="3200" spc="-80" dirty="0">
+                <a:solidFill>
+                  <a:srgbClr val="89FFDB"/>
+                </a:solidFill>
+                <a:latin typeface="Poppins Medium Bold"/>
+              </a:rPr>
+              <a:t>Total </a:t>
+            </a:r>
+            <a:r>
+              <a:rPr lang="en-US" sz="3200" spc="-80" dirty="0">
+                <a:solidFill>
+                  <a:srgbClr val="FFFFFF"/>
+                </a:solidFill>
+                <a:latin typeface="Poppins Medium Bold"/>
+              </a:rPr>
+              <a:t>Covered Charges</a:t>
+            </a:r>
+          </a:p>
+        </p:txBody>
       </p:sp>
     </p:spTree>
   </p:cSld>
@@ -6545,13 +6819,14 @@
 </file>
 
 <file path=ppt/slides/slide4.xml><?xml version="1.0" encoding="utf-8"?>
-<p:sld xmlns:p="http://schemas.openxmlformats.org/presentationml/2006/main" xmlns:a="http://schemas.openxmlformats.org/drawingml/2006/main" xmlns:r="http://schemas.openxmlformats.org/officeDocument/2006/relationships">
+<p:sld xmlns:a="http://schemas.openxmlformats.org/drawingml/2006/main" xmlns:r="http://schemas.openxmlformats.org/officeDocument/2006/relationships" xmlns:p="http://schemas.openxmlformats.org/presentationml/2006/main">
   <p:cSld>
     <p:bg>
       <p:bgPr>
         <a:solidFill>
           <a:srgbClr val="010817"/>
         </a:solidFill>
+        <a:effectLst/>
       </p:bgPr>
     </p:bg>
     <p:spTree>
@@ -6570,12 +6845,12 @@
       </p:grpSpPr>
       <p:sp>
         <p:nvSpPr>
-          <p:cNvPr name="Freeform 2" id="2"/>
+          <p:cNvPr id="2" name="Freeform 2"/>
           <p:cNvSpPr/>
           <p:nvPr/>
         </p:nvSpPr>
         <p:spPr>
-          <a:xfrm flipH="false" flipV="false" rot="0">
+          <a:xfrm>
             <a:off x="10827005" y="5581920"/>
             <a:ext cx="9682760" cy="9682760"/>
           </a:xfrm>
@@ -6584,9 +6859,9 @@
             <a:gdLst/>
             <a:ahLst/>
             <a:cxnLst/>
-            <a:rect r="r" b="b" t="t" l="l"/>
+            <a:rect l="l" t="t" r="r" b="b"/>
             <a:pathLst>
-              <a:path h="9682760" w="9682760">
+              <a:path w="9682760" h="9682760">
                 <a:moveTo>
                   <a:pt x="0" y="0"/>
                 </a:moveTo>
@@ -6616,19 +6891,19 @@
               </a:extLst>
             </a:blip>
             <a:stretch>
-              <a:fillRect l="0" t="0" r="0" b="0"/>
+              <a:fillRect/>
             </a:stretch>
           </a:blipFill>
         </p:spPr>
       </p:sp>
       <p:sp>
         <p:nvSpPr>
-          <p:cNvPr name="Freeform 3" id="3"/>
+          <p:cNvPr id="3" name="Freeform 3"/>
           <p:cNvSpPr/>
           <p:nvPr/>
         </p:nvSpPr>
         <p:spPr>
-          <a:xfrm flipH="false" flipV="false" rot="0">
+          <a:xfrm>
             <a:off x="1028700" y="-1352220"/>
             <a:ext cx="3537731" cy="3537731"/>
           </a:xfrm>
@@ -6637,9 +6912,9 @@
             <a:gdLst/>
             <a:ahLst/>
             <a:cxnLst/>
-            <a:rect r="r" b="b" t="t" l="l"/>
+            <a:rect l="l" t="t" r="r" b="b"/>
             <a:pathLst>
-              <a:path h="3537731" w="3537731">
+              <a:path w="3537731" h="3537731">
                 <a:moveTo>
                   <a:pt x="0" y="0"/>
                 </a:moveTo>
@@ -6669,19 +6944,19 @@
               </a:extLst>
             </a:blip>
             <a:stretch>
-              <a:fillRect l="0" t="0" r="0" b="0"/>
+              <a:fillRect/>
             </a:stretch>
           </a:blipFill>
         </p:spPr>
       </p:sp>
       <p:sp>
         <p:nvSpPr>
-          <p:cNvPr name="Freeform 4" id="4"/>
+          <p:cNvPr id="4" name="Freeform 4"/>
           <p:cNvSpPr/>
           <p:nvPr/>
         </p:nvSpPr>
         <p:spPr>
-          <a:xfrm flipH="false" flipV="false" rot="0">
+          <a:xfrm>
             <a:off x="1028700" y="2677286"/>
             <a:ext cx="13900587" cy="3596327"/>
           </a:xfrm>
@@ -6690,9 +6965,9 @@
             <a:gdLst/>
             <a:ahLst/>
             <a:cxnLst/>
-            <a:rect r="r" b="b" t="t" l="l"/>
+            <a:rect l="l" t="t" r="r" b="b"/>
             <a:pathLst>
-              <a:path h="3596327" w="13900587">
+              <a:path w="13900587" h="3596327">
                 <a:moveTo>
                   <a:pt x="0" y="0"/>
                 </a:moveTo>
@@ -6715,19 +6990,19 @@
           <a:blipFill>
             <a:blip r:embed="rId4"/>
             <a:stretch>
-              <a:fillRect l="0" t="0" r="0" b="0"/>
+              <a:fillRect/>
             </a:stretch>
           </a:blipFill>
         </p:spPr>
       </p:sp>
       <p:sp>
         <p:nvSpPr>
-          <p:cNvPr name="Freeform 5" id="5"/>
+          <p:cNvPr id="5" name="Freeform 5"/>
           <p:cNvSpPr/>
           <p:nvPr/>
         </p:nvSpPr>
         <p:spPr>
-          <a:xfrm flipH="false" flipV="false" rot="0">
+          <a:xfrm>
             <a:off x="1028700" y="6273613"/>
             <a:ext cx="3912687" cy="2182697"/>
           </a:xfrm>
@@ -6736,9 +7011,9 @@
             <a:gdLst/>
             <a:ahLst/>
             <a:cxnLst/>
-            <a:rect r="r" b="b" t="t" l="l"/>
+            <a:rect l="l" t="t" r="r" b="b"/>
             <a:pathLst>
-              <a:path h="2182697" w="3912687">
+              <a:path w="3912687" h="2182697">
                 <a:moveTo>
                   <a:pt x="0" y="0"/>
                 </a:moveTo>
@@ -6761,19 +7036,19 @@
           <a:blipFill>
             <a:blip r:embed="rId5"/>
             <a:stretch>
-              <a:fillRect l="0" t="0" r="0" b="0"/>
+              <a:fillRect/>
             </a:stretch>
           </a:blipFill>
         </p:spPr>
       </p:sp>
       <p:sp>
         <p:nvSpPr>
-          <p:cNvPr name="TextBox 6" id="6"/>
-          <p:cNvSpPr txBox="true"/>
+          <p:cNvPr id="6" name="TextBox 6"/>
+          <p:cNvSpPr txBox="1"/>
           <p:nvPr/>
         </p:nvSpPr>
         <p:spPr>
-          <a:xfrm rot="0">
+          <a:xfrm>
             <a:off x="7145023" y="1028700"/>
             <a:ext cx="7363963" cy="1393190"/>
           </a:xfrm>
@@ -6782,7 +7057,7 @@
           </a:prstGeom>
         </p:spPr>
         <p:txBody>
-          <a:bodyPr anchor="t" rtlCol="false" tIns="0" lIns="0" bIns="0" rIns="0">
+          <a:bodyPr lIns="0" tIns="0" rIns="0" bIns="0" rtlCol="0" anchor="t">
             <a:spAutoFit/>
           </a:bodyPr>
           <a:lstStyle/>
@@ -6822,13 +7097,14 @@
 </file>
 
 <file path=ppt/slides/slide5.xml><?xml version="1.0" encoding="utf-8"?>
-<p:sld xmlns:p="http://schemas.openxmlformats.org/presentationml/2006/main" xmlns:a="http://schemas.openxmlformats.org/drawingml/2006/main" xmlns:r="http://schemas.openxmlformats.org/officeDocument/2006/relationships">
+<p:sld xmlns:a="http://schemas.openxmlformats.org/drawingml/2006/main" xmlns:r="http://schemas.openxmlformats.org/officeDocument/2006/relationships" xmlns:p="http://schemas.openxmlformats.org/presentationml/2006/main">
   <p:cSld>
     <p:bg>
       <p:bgPr>
         <a:solidFill>
           <a:srgbClr val="010817"/>
         </a:solidFill>
+        <a:effectLst/>
       </p:bgPr>
     </p:bg>
     <p:spTree>
@@ -6847,12 +7123,12 @@
       </p:grpSpPr>
       <p:sp>
         <p:nvSpPr>
-          <p:cNvPr name="Freeform 2" id="2"/>
+          <p:cNvPr id="2" name="Freeform 2"/>
           <p:cNvSpPr/>
           <p:nvPr/>
         </p:nvSpPr>
         <p:spPr>
-          <a:xfrm flipH="false" flipV="false" rot="-5400000">
+          <a:xfrm rot="-5400000">
             <a:off x="11196509" y="340986"/>
             <a:ext cx="14351417" cy="14351417"/>
           </a:xfrm>
@@ -6861,9 +7137,9 @@
             <a:gdLst/>
             <a:ahLst/>
             <a:cxnLst/>
-            <a:rect r="r" b="b" t="t" l="l"/>
+            <a:rect l="l" t="t" r="r" b="b"/>
             <a:pathLst>
-              <a:path h="14351417" w="14351417">
+              <a:path w="14351417" h="14351417">
                 <a:moveTo>
                   <a:pt x="0" y="0"/>
                 </a:moveTo>
@@ -6893,19 +7169,19 @@
               </a:extLst>
             </a:blip>
             <a:stretch>
-              <a:fillRect l="0" t="0" r="0" b="0"/>
+              <a:fillRect/>
             </a:stretch>
           </a:blipFill>
         </p:spPr>
       </p:sp>
       <p:sp>
         <p:nvSpPr>
-          <p:cNvPr name="Freeform 3" id="3"/>
+          <p:cNvPr id="3" name="Freeform 3"/>
           <p:cNvSpPr/>
           <p:nvPr/>
         </p:nvSpPr>
         <p:spPr>
-          <a:xfrm flipH="false" flipV="false" rot="-5400000">
+          <a:xfrm rot="-5400000">
             <a:off x="7109010" y="-3608525"/>
             <a:ext cx="8162790" cy="8162790"/>
           </a:xfrm>
@@ -6914,9 +7190,9 @@
             <a:gdLst/>
             <a:ahLst/>
             <a:cxnLst/>
-            <a:rect r="r" b="b" t="t" l="l"/>
+            <a:rect l="l" t="t" r="r" b="b"/>
             <a:pathLst>
-              <a:path h="8162790" w="8162790">
+              <a:path w="8162790" h="8162790">
                 <a:moveTo>
                   <a:pt x="0" y="0"/>
                 </a:moveTo>
@@ -6946,19 +7222,19 @@
               </a:extLst>
             </a:blip>
             <a:stretch>
-              <a:fillRect l="0" t="0" r="0" b="0"/>
+              <a:fillRect/>
             </a:stretch>
           </a:blipFill>
         </p:spPr>
       </p:sp>
       <p:sp>
         <p:nvSpPr>
-          <p:cNvPr name="Freeform 4" id="4"/>
+          <p:cNvPr id="4" name="Freeform 4"/>
           <p:cNvSpPr/>
           <p:nvPr/>
         </p:nvSpPr>
         <p:spPr>
-          <a:xfrm flipH="false" flipV="false" rot="0">
+          <a:xfrm>
             <a:off x="9731372" y="2879418"/>
             <a:ext cx="8441226" cy="3349693"/>
           </a:xfrm>
@@ -6967,9 +7243,9 @@
             <a:gdLst/>
             <a:ahLst/>
             <a:cxnLst/>
-            <a:rect r="r" b="b" t="t" l="l"/>
+            <a:rect l="l" t="t" r="r" b="b"/>
             <a:pathLst>
-              <a:path h="3349693" w="8441226">
+              <a:path w="8441226" h="3349693">
                 <a:moveTo>
                   <a:pt x="0" y="0"/>
                 </a:moveTo>
@@ -6992,19 +7268,19 @@
           <a:blipFill>
             <a:blip r:embed="rId4"/>
             <a:stretch>
-              <a:fillRect l="0" t="0" r="0" b="0"/>
+              <a:fillRect/>
             </a:stretch>
           </a:blipFill>
         </p:spPr>
       </p:sp>
       <p:sp>
         <p:nvSpPr>
-          <p:cNvPr name="Freeform 5" id="5"/>
+          <p:cNvPr id="5" name="Freeform 5"/>
           <p:cNvSpPr/>
           <p:nvPr/>
         </p:nvSpPr>
         <p:spPr>
-          <a:xfrm flipH="false" flipV="false" rot="0">
+          <a:xfrm>
             <a:off x="9731372" y="6551278"/>
             <a:ext cx="8425577" cy="3510657"/>
           </a:xfrm>
@@ -7013,9 +7289,9 @@
             <a:gdLst/>
             <a:ahLst/>
             <a:cxnLst/>
-            <a:rect r="r" b="b" t="t" l="l"/>
+            <a:rect l="l" t="t" r="r" b="b"/>
             <a:pathLst>
-              <a:path h="3510657" w="8425577">
+              <a:path w="8425577" h="3510657">
                 <a:moveTo>
                   <a:pt x="0" y="0"/>
                 </a:moveTo>
@@ -7038,19 +7314,19 @@
           <a:blipFill>
             <a:blip r:embed="rId5"/>
             <a:stretch>
-              <a:fillRect l="0" t="0" r="0" b="0"/>
+              <a:fillRect/>
             </a:stretch>
           </a:blipFill>
         </p:spPr>
       </p:sp>
       <p:sp>
         <p:nvSpPr>
-          <p:cNvPr name="Freeform 6" id="6"/>
+          <p:cNvPr id="6" name="Freeform 6"/>
           <p:cNvSpPr/>
           <p:nvPr/>
         </p:nvSpPr>
         <p:spPr>
-          <a:xfrm flipH="false" flipV="false" rot="0">
+          <a:xfrm>
             <a:off x="552901" y="3949502"/>
             <a:ext cx="4480329" cy="3066419"/>
           </a:xfrm>
@@ -7059,9 +7335,9 @@
             <a:gdLst/>
             <a:ahLst/>
             <a:cxnLst/>
-            <a:rect r="r" b="b" t="t" l="l"/>
+            <a:rect l="l" t="t" r="r" b="b"/>
             <a:pathLst>
-              <a:path h="3066419" w="4480329">
+              <a:path w="4480329" h="3066419">
                 <a:moveTo>
                   <a:pt x="0" y="0"/>
                 </a:moveTo>
@@ -7084,19 +7360,19 @@
           <a:blipFill>
             <a:blip r:embed="rId6"/>
             <a:stretch>
-              <a:fillRect l="0" t="0" r="0" b="0"/>
+              <a:fillRect/>
             </a:stretch>
           </a:blipFill>
         </p:spPr>
       </p:sp>
       <p:sp>
         <p:nvSpPr>
-          <p:cNvPr name="Freeform 7" id="7"/>
+          <p:cNvPr id="7" name="Freeform 7"/>
           <p:cNvSpPr/>
           <p:nvPr/>
         </p:nvSpPr>
         <p:spPr>
-          <a:xfrm flipH="false" flipV="false" rot="0">
+          <a:xfrm>
             <a:off x="552901" y="7015920"/>
             <a:ext cx="4480329" cy="3066419"/>
           </a:xfrm>
@@ -7105,9 +7381,9 @@
             <a:gdLst/>
             <a:ahLst/>
             <a:cxnLst/>
-            <a:rect r="r" b="b" t="t" l="l"/>
+            <a:rect l="l" t="t" r="r" b="b"/>
             <a:pathLst>
-              <a:path h="3066419" w="4480329">
+              <a:path w="4480329" h="3066419">
                 <a:moveTo>
                   <a:pt x="0" y="0"/>
                 </a:moveTo>
@@ -7130,19 +7406,19 @@
           <a:blipFill>
             <a:blip r:embed="rId7"/>
             <a:stretch>
-              <a:fillRect l="0" t="0" r="0" b="0"/>
+              <a:fillRect/>
             </a:stretch>
           </a:blipFill>
         </p:spPr>
       </p:sp>
       <p:sp>
         <p:nvSpPr>
-          <p:cNvPr name="Freeform 8" id="8"/>
+          <p:cNvPr id="8" name="Freeform 8"/>
           <p:cNvSpPr/>
           <p:nvPr/>
         </p:nvSpPr>
         <p:spPr>
-          <a:xfrm flipH="false" flipV="false" rot="0">
+          <a:xfrm>
             <a:off x="5033230" y="3949502"/>
             <a:ext cx="4480329" cy="3066419"/>
           </a:xfrm>
@@ -7151,9 +7427,9 @@
             <a:gdLst/>
             <a:ahLst/>
             <a:cxnLst/>
-            <a:rect r="r" b="b" t="t" l="l"/>
+            <a:rect l="l" t="t" r="r" b="b"/>
             <a:pathLst>
-              <a:path h="3066419" w="4480329">
+              <a:path w="4480329" h="3066419">
                 <a:moveTo>
                   <a:pt x="0" y="0"/>
                 </a:moveTo>
@@ -7176,19 +7452,19 @@
           <a:blipFill>
             <a:blip r:embed="rId8"/>
             <a:stretch>
-              <a:fillRect l="0" t="0" r="0" b="0"/>
+              <a:fillRect/>
             </a:stretch>
           </a:blipFill>
         </p:spPr>
       </p:sp>
       <p:sp>
         <p:nvSpPr>
-          <p:cNvPr name="Freeform 9" id="9"/>
+          <p:cNvPr id="9" name="Freeform 9"/>
           <p:cNvSpPr/>
           <p:nvPr/>
         </p:nvSpPr>
         <p:spPr>
-          <a:xfrm flipH="false" flipV="false" rot="0">
+          <a:xfrm>
             <a:off x="5063042" y="7015920"/>
             <a:ext cx="4450517" cy="3046014"/>
           </a:xfrm>
@@ -7197,9 +7473,9 @@
             <a:gdLst/>
             <a:ahLst/>
             <a:cxnLst/>
-            <a:rect r="r" b="b" t="t" l="l"/>
+            <a:rect l="l" t="t" r="r" b="b"/>
             <a:pathLst>
-              <a:path h="3046014" w="4450517">
+              <a:path w="4450517" h="3046014">
                 <a:moveTo>
                   <a:pt x="0" y="0"/>
                 </a:moveTo>
@@ -7222,19 +7498,19 @@
           <a:blipFill>
             <a:blip r:embed="rId9"/>
             <a:stretch>
-              <a:fillRect l="0" t="0" r="0" b="0"/>
+              <a:fillRect/>
             </a:stretch>
           </a:blipFill>
         </p:spPr>
       </p:sp>
       <p:sp>
         <p:nvSpPr>
-          <p:cNvPr name="TextBox 10" id="10"/>
-          <p:cNvSpPr txBox="true"/>
+          <p:cNvPr id="10" name="TextBox 10"/>
+          <p:cNvSpPr txBox="1"/>
           <p:nvPr/>
         </p:nvSpPr>
         <p:spPr>
-          <a:xfrm rot="0">
+          <a:xfrm>
             <a:off x="1020888" y="340986"/>
             <a:ext cx="8710484" cy="2669540"/>
           </a:xfrm>
@@ -7243,7 +7519,7 @@
           </a:prstGeom>
         </p:spPr>
         <p:txBody>
-          <a:bodyPr anchor="t" rtlCol="false" tIns="0" lIns="0" bIns="0" rIns="0">
+          <a:bodyPr lIns="0" tIns="0" rIns="0" bIns="0" rtlCol="0" anchor="t">
             <a:spAutoFit/>
           </a:bodyPr>
           <a:lstStyle/>
@@ -7276,12 +7552,12 @@
       </p:sp>
       <p:sp>
         <p:nvSpPr>
-          <p:cNvPr name="TextBox 11" id="11"/>
-          <p:cNvSpPr txBox="true"/>
+          <p:cNvPr id="11" name="TextBox 11"/>
+          <p:cNvSpPr txBox="1"/>
           <p:nvPr/>
         </p:nvSpPr>
         <p:spPr>
-          <a:xfrm rot="0">
+          <a:xfrm>
             <a:off x="1565697" y="2922871"/>
             <a:ext cx="4200738" cy="727710"/>
           </a:xfrm>
@@ -7290,7 +7566,7 @@
           </a:prstGeom>
         </p:spPr>
         <p:txBody>
-          <a:bodyPr anchor="t" rtlCol="false" tIns="0" lIns="0" bIns="0" rIns="0">
+          <a:bodyPr lIns="0" tIns="0" rIns="0" bIns="0" rtlCol="0" anchor="t">
             <a:spAutoFit/>
           </a:bodyPr>
           <a:lstStyle/>
@@ -7321,13 +7597,14 @@
 </file>
 
 <file path=ppt/slides/slide6.xml><?xml version="1.0" encoding="utf-8"?>
-<p:sld xmlns:p="http://schemas.openxmlformats.org/presentationml/2006/main" xmlns:a="http://schemas.openxmlformats.org/drawingml/2006/main" xmlns:r="http://schemas.openxmlformats.org/officeDocument/2006/relationships">
+<p:sld xmlns:a="http://schemas.openxmlformats.org/drawingml/2006/main" xmlns:r="http://schemas.openxmlformats.org/officeDocument/2006/relationships" xmlns:p="http://schemas.openxmlformats.org/presentationml/2006/main">
   <p:cSld>
     <p:bg>
       <p:bgPr>
         <a:solidFill>
           <a:srgbClr val="010817"/>
         </a:solidFill>
+        <a:effectLst/>
       </p:bgPr>
     </p:bg>
     <p:spTree>
@@ -7346,12 +7623,12 @@
       </p:grpSpPr>
       <p:sp>
         <p:nvSpPr>
-          <p:cNvPr name="Freeform 2" id="2"/>
+          <p:cNvPr id="2" name="Freeform 2"/>
           <p:cNvSpPr/>
           <p:nvPr/>
         </p:nvSpPr>
         <p:spPr>
-          <a:xfrm flipH="false" flipV="false" rot="-5400000">
+          <a:xfrm rot="-5400000">
             <a:off x="11196509" y="340986"/>
             <a:ext cx="14351417" cy="14351417"/>
           </a:xfrm>
@@ -7360,9 +7637,9 @@
             <a:gdLst/>
             <a:ahLst/>
             <a:cxnLst/>
-            <a:rect r="r" b="b" t="t" l="l"/>
+            <a:rect l="l" t="t" r="r" b="b"/>
             <a:pathLst>
-              <a:path h="14351417" w="14351417">
+              <a:path w="14351417" h="14351417">
                 <a:moveTo>
                   <a:pt x="0" y="0"/>
                 </a:moveTo>
@@ -7392,19 +7669,19 @@
               </a:extLst>
             </a:blip>
             <a:stretch>
-              <a:fillRect l="0" t="0" r="0" b="0"/>
+              <a:fillRect/>
             </a:stretch>
           </a:blipFill>
         </p:spPr>
       </p:sp>
       <p:sp>
         <p:nvSpPr>
-          <p:cNvPr name="Freeform 3" id="3"/>
+          <p:cNvPr id="3" name="Freeform 3"/>
           <p:cNvSpPr/>
           <p:nvPr/>
         </p:nvSpPr>
         <p:spPr>
-          <a:xfrm flipH="false" flipV="false" rot="-5400000">
+          <a:xfrm rot="-5400000">
             <a:off x="7109010" y="-3608525"/>
             <a:ext cx="8162790" cy="8162790"/>
           </a:xfrm>
@@ -7413,9 +7690,9 @@
             <a:gdLst/>
             <a:ahLst/>
             <a:cxnLst/>
-            <a:rect r="r" b="b" t="t" l="l"/>
+            <a:rect l="l" t="t" r="r" b="b"/>
             <a:pathLst>
-              <a:path h="8162790" w="8162790">
+              <a:path w="8162790" h="8162790">
                 <a:moveTo>
                   <a:pt x="0" y="0"/>
                 </a:moveTo>
@@ -7445,19 +7722,19 @@
               </a:extLst>
             </a:blip>
             <a:stretch>
-              <a:fillRect l="0" t="0" r="0" b="0"/>
+              <a:fillRect/>
             </a:stretch>
           </a:blipFill>
         </p:spPr>
       </p:sp>
       <p:sp>
         <p:nvSpPr>
-          <p:cNvPr name="Freeform 4" id="4"/>
+          <p:cNvPr id="4" name="Freeform 4"/>
           <p:cNvSpPr/>
           <p:nvPr/>
         </p:nvSpPr>
         <p:spPr>
-          <a:xfrm flipH="false" flipV="false" rot="0">
+          <a:xfrm>
             <a:off x="3043221" y="3816592"/>
             <a:ext cx="11878404" cy="5939202"/>
           </a:xfrm>
@@ -7466,9 +7743,9 @@
             <a:gdLst/>
             <a:ahLst/>
             <a:cxnLst/>
-            <a:rect r="r" b="b" t="t" l="l"/>
+            <a:rect l="l" t="t" r="r" b="b"/>
             <a:pathLst>
-              <a:path h="5939202" w="11878404">
+              <a:path w="11878404" h="5939202">
                 <a:moveTo>
                   <a:pt x="0" y="0"/>
                 </a:moveTo>
@@ -7491,19 +7768,19 @@
           <a:blipFill>
             <a:blip r:embed="rId4"/>
             <a:stretch>
-              <a:fillRect l="0" t="0" r="0" b="0"/>
+              <a:fillRect/>
             </a:stretch>
           </a:blipFill>
         </p:spPr>
       </p:sp>
       <p:sp>
         <p:nvSpPr>
-          <p:cNvPr name="TextBox 5" id="5"/>
-          <p:cNvSpPr txBox="true"/>
+          <p:cNvPr id="5" name="TextBox 5"/>
+          <p:cNvSpPr txBox="1"/>
           <p:nvPr/>
         </p:nvSpPr>
         <p:spPr>
-          <a:xfrm rot="0">
+          <a:xfrm>
             <a:off x="1020888" y="340986"/>
             <a:ext cx="8710484" cy="2669540"/>
           </a:xfrm>
@@ -7512,7 +7789,7 @@
           </a:prstGeom>
         </p:spPr>
         <p:txBody>
-          <a:bodyPr anchor="t" rtlCol="false" tIns="0" lIns="0" bIns="0" rIns="0">
+          <a:bodyPr lIns="0" tIns="0" rIns="0" bIns="0" rtlCol="0" anchor="t">
             <a:spAutoFit/>
           </a:bodyPr>
           <a:lstStyle/>
@@ -7545,12 +7822,12 @@
       </p:sp>
       <p:sp>
         <p:nvSpPr>
-          <p:cNvPr name="TextBox 6" id="6"/>
-          <p:cNvSpPr txBox="true"/>
+          <p:cNvPr id="6" name="TextBox 6"/>
+          <p:cNvSpPr txBox="1"/>
           <p:nvPr/>
         </p:nvSpPr>
         <p:spPr>
-          <a:xfrm rot="0">
+          <a:xfrm>
             <a:off x="1565697" y="2922871"/>
             <a:ext cx="4200738" cy="727710"/>
           </a:xfrm>
@@ -7559,7 +7836,7 @@
           </a:prstGeom>
         </p:spPr>
         <p:txBody>
-          <a:bodyPr anchor="t" rtlCol="false" tIns="0" lIns="0" bIns="0" rIns="0">
+          <a:bodyPr lIns="0" tIns="0" rIns="0" bIns="0" rtlCol="0" anchor="t">
             <a:spAutoFit/>
           </a:bodyPr>
           <a:lstStyle/>
@@ -7590,13 +7867,14 @@
 </file>
 
 <file path=ppt/slides/slide7.xml><?xml version="1.0" encoding="utf-8"?>
-<p:sld xmlns:p="http://schemas.openxmlformats.org/presentationml/2006/main" xmlns:a="http://schemas.openxmlformats.org/drawingml/2006/main" xmlns:r="http://schemas.openxmlformats.org/officeDocument/2006/relationships">
+<p:sld xmlns:a="http://schemas.openxmlformats.org/drawingml/2006/main" xmlns:r="http://schemas.openxmlformats.org/officeDocument/2006/relationships" xmlns:p="http://schemas.openxmlformats.org/presentationml/2006/main">
   <p:cSld>
     <p:bg>
       <p:bgPr>
         <a:solidFill>
           <a:srgbClr val="010817"/>
         </a:solidFill>
+        <a:effectLst/>
       </p:bgPr>
     </p:bg>
     <p:spTree>
@@ -7615,12 +7893,12 @@
       </p:grpSpPr>
       <p:sp>
         <p:nvSpPr>
-          <p:cNvPr name="Freeform 2" id="2"/>
+          <p:cNvPr id="2" name="Freeform 2"/>
           <p:cNvSpPr/>
           <p:nvPr/>
         </p:nvSpPr>
         <p:spPr>
-          <a:xfrm flipH="false" flipV="false" rot="-5400000">
+          <a:xfrm rot="-5400000">
             <a:off x="11196509" y="340986"/>
             <a:ext cx="14351417" cy="14351417"/>
           </a:xfrm>
@@ -7629,9 +7907,9 @@
             <a:gdLst/>
             <a:ahLst/>
             <a:cxnLst/>
-            <a:rect r="r" b="b" t="t" l="l"/>
+            <a:rect l="l" t="t" r="r" b="b"/>
             <a:pathLst>
-              <a:path h="14351417" w="14351417">
+              <a:path w="14351417" h="14351417">
                 <a:moveTo>
                   <a:pt x="0" y="0"/>
                 </a:moveTo>
@@ -7661,19 +7939,19 @@
               </a:extLst>
             </a:blip>
             <a:stretch>
-              <a:fillRect l="0" t="0" r="0" b="0"/>
+              <a:fillRect/>
             </a:stretch>
           </a:blipFill>
         </p:spPr>
       </p:sp>
       <p:sp>
         <p:nvSpPr>
-          <p:cNvPr name="Freeform 3" id="3"/>
+          <p:cNvPr id="3" name="Freeform 3"/>
           <p:cNvSpPr/>
           <p:nvPr/>
         </p:nvSpPr>
         <p:spPr>
-          <a:xfrm flipH="false" flipV="false" rot="-5400000">
+          <a:xfrm rot="-5400000">
             <a:off x="7109010" y="-3608525"/>
             <a:ext cx="8162790" cy="8162790"/>
           </a:xfrm>
@@ -7682,9 +7960,9 @@
             <a:gdLst/>
             <a:ahLst/>
             <a:cxnLst/>
-            <a:rect r="r" b="b" t="t" l="l"/>
+            <a:rect l="l" t="t" r="r" b="b"/>
             <a:pathLst>
-              <a:path h="8162790" w="8162790">
+              <a:path w="8162790" h="8162790">
                 <a:moveTo>
                   <a:pt x="0" y="0"/>
                 </a:moveTo>
@@ -7714,19 +7992,19 @@
               </a:extLst>
             </a:blip>
             <a:stretch>
-              <a:fillRect l="0" t="0" r="0" b="0"/>
+              <a:fillRect/>
             </a:stretch>
           </a:blipFill>
         </p:spPr>
       </p:sp>
       <p:sp>
         <p:nvSpPr>
-          <p:cNvPr name="Freeform 4" id="4"/>
+          <p:cNvPr id="4" name="Freeform 4"/>
           <p:cNvSpPr/>
           <p:nvPr/>
         </p:nvSpPr>
         <p:spPr>
-          <a:xfrm flipH="false" flipV="false" rot="0">
+          <a:xfrm>
             <a:off x="3204798" y="3843521"/>
             <a:ext cx="11878404" cy="5939202"/>
           </a:xfrm>
@@ -7735,9 +8013,9 @@
             <a:gdLst/>
             <a:ahLst/>
             <a:cxnLst/>
-            <a:rect r="r" b="b" t="t" l="l"/>
+            <a:rect l="l" t="t" r="r" b="b"/>
             <a:pathLst>
-              <a:path h="5939202" w="11878404">
+              <a:path w="11878404" h="5939202">
                 <a:moveTo>
                   <a:pt x="0" y="0"/>
                 </a:moveTo>
@@ -7760,19 +8038,19 @@
           <a:blipFill>
             <a:blip r:embed="rId4"/>
             <a:stretch>
-              <a:fillRect l="0" t="0" r="0" b="0"/>
+              <a:fillRect/>
             </a:stretch>
           </a:blipFill>
         </p:spPr>
       </p:sp>
       <p:sp>
         <p:nvSpPr>
-          <p:cNvPr name="TextBox 5" id="5"/>
-          <p:cNvSpPr txBox="true"/>
+          <p:cNvPr id="5" name="TextBox 5"/>
+          <p:cNvSpPr txBox="1"/>
           <p:nvPr/>
         </p:nvSpPr>
         <p:spPr>
-          <a:xfrm rot="0">
+          <a:xfrm>
             <a:off x="1020888" y="340986"/>
             <a:ext cx="8710484" cy="2669540"/>
           </a:xfrm>
@@ -7781,7 +8059,7 @@
           </a:prstGeom>
         </p:spPr>
         <p:txBody>
-          <a:bodyPr anchor="t" rtlCol="false" tIns="0" lIns="0" bIns="0" rIns="0">
+          <a:bodyPr lIns="0" tIns="0" rIns="0" bIns="0" rtlCol="0" anchor="t">
             <a:spAutoFit/>
           </a:bodyPr>
           <a:lstStyle/>
@@ -7814,12 +8092,12 @@
       </p:sp>
       <p:sp>
         <p:nvSpPr>
-          <p:cNvPr name="TextBox 6" id="6"/>
-          <p:cNvSpPr txBox="true"/>
+          <p:cNvPr id="6" name="TextBox 6"/>
+          <p:cNvSpPr txBox="1"/>
           <p:nvPr/>
         </p:nvSpPr>
         <p:spPr>
-          <a:xfrm rot="0">
+          <a:xfrm>
             <a:off x="1565697" y="2922871"/>
             <a:ext cx="4200738" cy="727710"/>
           </a:xfrm>
@@ -7828,7 +8106,7 @@
           </a:prstGeom>
         </p:spPr>
         <p:txBody>
-          <a:bodyPr anchor="t" rtlCol="false" tIns="0" lIns="0" bIns="0" rIns="0">
+          <a:bodyPr lIns="0" tIns="0" rIns="0" bIns="0" rtlCol="0" anchor="t">
             <a:spAutoFit/>
           </a:bodyPr>
           <a:lstStyle/>
@@ -7859,13 +8137,14 @@
 </file>
 
 <file path=ppt/slides/slide8.xml><?xml version="1.0" encoding="utf-8"?>
-<p:sld xmlns:p="http://schemas.openxmlformats.org/presentationml/2006/main" xmlns:a="http://schemas.openxmlformats.org/drawingml/2006/main" xmlns:r="http://schemas.openxmlformats.org/officeDocument/2006/relationships">
+<p:sld xmlns:a="http://schemas.openxmlformats.org/drawingml/2006/main" xmlns:r="http://schemas.openxmlformats.org/officeDocument/2006/relationships" xmlns:p="http://schemas.openxmlformats.org/presentationml/2006/main">
   <p:cSld>
     <p:bg>
       <p:bgPr>
         <a:solidFill>
           <a:srgbClr val="010817"/>
         </a:solidFill>
+        <a:effectLst/>
       </p:bgPr>
     </p:bg>
     <p:spTree>
@@ -7884,12 +8163,12 @@
       </p:grpSpPr>
       <p:sp>
         <p:nvSpPr>
-          <p:cNvPr name="Freeform 2" id="2"/>
+          <p:cNvPr id="2" name="Freeform 2"/>
           <p:cNvSpPr/>
           <p:nvPr/>
         </p:nvSpPr>
         <p:spPr>
-          <a:xfrm flipH="false" flipV="false" rot="-5400000">
+          <a:xfrm rot="-5400000">
             <a:off x="11196509" y="340986"/>
             <a:ext cx="14351417" cy="14351417"/>
           </a:xfrm>
@@ -7898,9 +8177,9 @@
             <a:gdLst/>
             <a:ahLst/>
             <a:cxnLst/>
-            <a:rect r="r" b="b" t="t" l="l"/>
+            <a:rect l="l" t="t" r="r" b="b"/>
             <a:pathLst>
-              <a:path h="14351417" w="14351417">
+              <a:path w="14351417" h="14351417">
                 <a:moveTo>
                   <a:pt x="0" y="0"/>
                 </a:moveTo>
@@ -7930,19 +8209,19 @@
               </a:extLst>
             </a:blip>
             <a:stretch>
-              <a:fillRect l="0" t="0" r="0" b="0"/>
+              <a:fillRect/>
             </a:stretch>
           </a:blipFill>
         </p:spPr>
       </p:sp>
       <p:sp>
         <p:nvSpPr>
-          <p:cNvPr name="Freeform 3" id="3"/>
+          <p:cNvPr id="3" name="Freeform 3"/>
           <p:cNvSpPr/>
           <p:nvPr/>
         </p:nvSpPr>
         <p:spPr>
-          <a:xfrm flipH="false" flipV="false" rot="-5400000">
+          <a:xfrm rot="-5400000">
             <a:off x="7109010" y="-3608525"/>
             <a:ext cx="8162790" cy="8162790"/>
           </a:xfrm>
@@ -7951,9 +8230,9 @@
             <a:gdLst/>
             <a:ahLst/>
             <a:cxnLst/>
-            <a:rect r="r" b="b" t="t" l="l"/>
+            <a:rect l="l" t="t" r="r" b="b"/>
             <a:pathLst>
-              <a:path h="8162790" w="8162790">
+              <a:path w="8162790" h="8162790">
                 <a:moveTo>
                   <a:pt x="0" y="0"/>
                 </a:moveTo>
@@ -7983,19 +8262,19 @@
               </a:extLst>
             </a:blip>
             <a:stretch>
-              <a:fillRect l="0" t="0" r="0" b="0"/>
+              <a:fillRect/>
             </a:stretch>
           </a:blipFill>
         </p:spPr>
       </p:sp>
       <p:sp>
         <p:nvSpPr>
-          <p:cNvPr name="Freeform 4" id="4"/>
+          <p:cNvPr id="4" name="Freeform 4"/>
           <p:cNvSpPr/>
           <p:nvPr/>
         </p:nvSpPr>
         <p:spPr>
-          <a:xfrm flipH="false" flipV="false" rot="0">
+          <a:xfrm>
             <a:off x="783473" y="4155899"/>
             <a:ext cx="7888214" cy="5529882"/>
           </a:xfrm>
@@ -8004,9 +8283,9 @@
             <a:gdLst/>
             <a:ahLst/>
             <a:cxnLst/>
-            <a:rect r="r" b="b" t="t" l="l"/>
+            <a:rect l="l" t="t" r="r" b="b"/>
             <a:pathLst>
-              <a:path h="5529882" w="7888214">
+              <a:path w="7888214" h="5529882">
                 <a:moveTo>
                   <a:pt x="0" y="0"/>
                 </a:moveTo>
@@ -8029,19 +8308,19 @@
           <a:blipFill>
             <a:blip r:embed="rId4"/>
             <a:stretch>
-              <a:fillRect l="0" t="0" r="0" b="0"/>
+              <a:fillRect/>
             </a:stretch>
           </a:blipFill>
         </p:spPr>
       </p:sp>
       <p:sp>
         <p:nvSpPr>
-          <p:cNvPr name="Freeform 5" id="5"/>
+          <p:cNvPr id="5" name="Freeform 5"/>
           <p:cNvSpPr/>
           <p:nvPr/>
         </p:nvSpPr>
         <p:spPr>
-          <a:xfrm flipH="false" flipV="false" rot="0">
+          <a:xfrm>
             <a:off x="9347936" y="4155899"/>
             <a:ext cx="7911364" cy="5529882"/>
           </a:xfrm>
@@ -8050,9 +8329,9 @@
             <a:gdLst/>
             <a:ahLst/>
             <a:cxnLst/>
-            <a:rect r="r" b="b" t="t" l="l"/>
+            <a:rect l="l" t="t" r="r" b="b"/>
             <a:pathLst>
-              <a:path h="5529882" w="7911364">
+              <a:path w="7911364" h="5529882">
                 <a:moveTo>
                   <a:pt x="0" y="0"/>
                 </a:moveTo>
@@ -8075,19 +8354,19 @@
           <a:blipFill>
             <a:blip r:embed="rId5"/>
             <a:stretch>
-              <a:fillRect l="0" t="0" r="0" b="0"/>
+              <a:fillRect/>
             </a:stretch>
           </a:blipFill>
         </p:spPr>
       </p:sp>
       <p:sp>
         <p:nvSpPr>
-          <p:cNvPr name="TextBox 6" id="6"/>
-          <p:cNvSpPr txBox="true"/>
+          <p:cNvPr id="6" name="TextBox 6"/>
+          <p:cNvSpPr txBox="1"/>
           <p:nvPr/>
         </p:nvSpPr>
         <p:spPr>
-          <a:xfrm rot="0">
+          <a:xfrm>
             <a:off x="1020888" y="340986"/>
             <a:ext cx="8710484" cy="2669540"/>
           </a:xfrm>
@@ -8096,7 +8375,7 @@
           </a:prstGeom>
         </p:spPr>
         <p:txBody>
-          <a:bodyPr anchor="t" rtlCol="false" tIns="0" lIns="0" bIns="0" rIns="0">
+          <a:bodyPr lIns="0" tIns="0" rIns="0" bIns="0" rtlCol="0" anchor="t">
             <a:spAutoFit/>
           </a:bodyPr>
           <a:lstStyle/>
@@ -8129,12 +8408,12 @@
       </p:sp>
       <p:sp>
         <p:nvSpPr>
-          <p:cNvPr name="TextBox 7" id="7"/>
-          <p:cNvSpPr txBox="true"/>
+          <p:cNvPr id="7" name="TextBox 7"/>
+          <p:cNvSpPr txBox="1"/>
           <p:nvPr/>
         </p:nvSpPr>
         <p:spPr>
-          <a:xfrm rot="0">
+          <a:xfrm>
             <a:off x="1565697" y="2922871"/>
             <a:ext cx="9909768" cy="727710"/>
           </a:xfrm>
@@ -8143,7 +8422,7 @@
           </a:prstGeom>
         </p:spPr>
         <p:txBody>
-          <a:bodyPr anchor="t" rtlCol="false" tIns="0" lIns="0" bIns="0" rIns="0">
+          <a:bodyPr lIns="0" tIns="0" rIns="0" bIns="0" rtlCol="0" anchor="t">
             <a:spAutoFit/>
           </a:bodyPr>
           <a:lstStyle/>
@@ -8174,13 +8453,14 @@
 </file>
 
 <file path=ppt/slides/slide9.xml><?xml version="1.0" encoding="utf-8"?>
-<p:sld xmlns:p="http://schemas.openxmlformats.org/presentationml/2006/main" xmlns:a="http://schemas.openxmlformats.org/drawingml/2006/main" xmlns:r="http://schemas.openxmlformats.org/officeDocument/2006/relationships">
+<p:sld xmlns:a="http://schemas.openxmlformats.org/drawingml/2006/main" xmlns:r="http://schemas.openxmlformats.org/officeDocument/2006/relationships" xmlns:p="http://schemas.openxmlformats.org/presentationml/2006/main">
   <p:cSld>
     <p:bg>
       <p:bgPr>
         <a:solidFill>
           <a:srgbClr val="010817"/>
         </a:solidFill>
+        <a:effectLst/>
       </p:bgPr>
     </p:bg>
     <p:spTree>
@@ -8199,12 +8479,12 @@
       </p:grpSpPr>
       <p:sp>
         <p:nvSpPr>
-          <p:cNvPr name="Freeform 2" id="2"/>
+          <p:cNvPr id="2" name="Freeform 2"/>
           <p:cNvSpPr/>
           <p:nvPr/>
         </p:nvSpPr>
         <p:spPr>
-          <a:xfrm flipH="false" flipV="false" rot="-5400000">
+          <a:xfrm rot="-5400000">
             <a:off x="11196509" y="340986"/>
             <a:ext cx="14351417" cy="14351417"/>
           </a:xfrm>
@@ -8213,9 +8493,9 @@
             <a:gdLst/>
             <a:ahLst/>
             <a:cxnLst/>
-            <a:rect r="r" b="b" t="t" l="l"/>
+            <a:rect l="l" t="t" r="r" b="b"/>
             <a:pathLst>
-              <a:path h="14351417" w="14351417">
+              <a:path w="14351417" h="14351417">
                 <a:moveTo>
                   <a:pt x="0" y="0"/>
                 </a:moveTo>
@@ -8245,19 +8525,19 @@
               </a:extLst>
             </a:blip>
             <a:stretch>
-              <a:fillRect l="0" t="0" r="0" b="0"/>
+              <a:fillRect/>
             </a:stretch>
           </a:blipFill>
         </p:spPr>
       </p:sp>
       <p:sp>
         <p:nvSpPr>
-          <p:cNvPr name="Freeform 3" id="3"/>
+          <p:cNvPr id="3" name="Freeform 3"/>
           <p:cNvSpPr/>
           <p:nvPr/>
         </p:nvSpPr>
         <p:spPr>
-          <a:xfrm flipH="false" flipV="false" rot="-5400000">
+          <a:xfrm rot="-5400000">
             <a:off x="7109010" y="-3608525"/>
             <a:ext cx="8162790" cy="8162790"/>
           </a:xfrm>
@@ -8266,9 +8546,9 @@
             <a:gdLst/>
             <a:ahLst/>
             <a:cxnLst/>
-            <a:rect r="r" b="b" t="t" l="l"/>
+            <a:rect l="l" t="t" r="r" b="b"/>
             <a:pathLst>
-              <a:path h="8162790" w="8162790">
+              <a:path w="8162790" h="8162790">
                 <a:moveTo>
                   <a:pt x="0" y="0"/>
                 </a:moveTo>
@@ -8298,19 +8578,19 @@
               </a:extLst>
             </a:blip>
             <a:stretch>
-              <a:fillRect l="0" t="0" r="0" b="0"/>
+              <a:fillRect/>
             </a:stretch>
           </a:blipFill>
         </p:spPr>
       </p:sp>
       <p:sp>
         <p:nvSpPr>
-          <p:cNvPr name="Freeform 4" id="4"/>
+          <p:cNvPr id="4" name="Freeform 4"/>
           <p:cNvSpPr/>
           <p:nvPr/>
         </p:nvSpPr>
         <p:spPr>
-          <a:xfrm flipH="false" flipV="false" rot="0">
+          <a:xfrm>
             <a:off x="600253" y="4554264"/>
             <a:ext cx="5206973" cy="3642136"/>
           </a:xfrm>
@@ -8319,9 +8599,9 @@
             <a:gdLst/>
             <a:ahLst/>
             <a:cxnLst/>
-            <a:rect r="r" b="b" t="t" l="l"/>
+            <a:rect l="l" t="t" r="r" b="b"/>
             <a:pathLst>
-              <a:path h="3642136" w="5206973">
+              <a:path w="5206973" h="3642136">
                 <a:moveTo>
                   <a:pt x="0" y="0"/>
                 </a:moveTo>
@@ -8344,19 +8624,19 @@
           <a:blipFill>
             <a:blip r:embed="rId4"/>
             <a:stretch>
-              <a:fillRect l="0" t="0" r="0" b="0"/>
+              <a:fillRect/>
             </a:stretch>
           </a:blipFill>
         </p:spPr>
       </p:sp>
       <p:sp>
         <p:nvSpPr>
-          <p:cNvPr name="Freeform 5" id="5"/>
+          <p:cNvPr id="5" name="Freeform 5"/>
           <p:cNvSpPr/>
           <p:nvPr/>
         </p:nvSpPr>
         <p:spPr>
-          <a:xfrm flipH="false" flipV="false" rot="0">
+          <a:xfrm>
             <a:off x="6093182" y="4554264"/>
             <a:ext cx="5194232" cy="3642136"/>
           </a:xfrm>
@@ -8365,9 +8645,9 @@
             <a:gdLst/>
             <a:ahLst/>
             <a:cxnLst/>
-            <a:rect r="r" b="b" t="t" l="l"/>
+            <a:rect l="l" t="t" r="r" b="b"/>
             <a:pathLst>
-              <a:path h="3642136" w="5194232">
+              <a:path w="5194232" h="3642136">
                 <a:moveTo>
                   <a:pt x="0" y="0"/>
                 </a:moveTo>
@@ -8390,19 +8670,19 @@
           <a:blipFill>
             <a:blip r:embed="rId5"/>
             <a:stretch>
-              <a:fillRect l="0" t="0" r="0" b="0"/>
+              <a:fillRect/>
             </a:stretch>
           </a:blipFill>
         </p:spPr>
       </p:sp>
       <p:sp>
         <p:nvSpPr>
-          <p:cNvPr name="Freeform 6" id="6"/>
+          <p:cNvPr id="6" name="Freeform 6"/>
           <p:cNvSpPr/>
           <p:nvPr/>
         </p:nvSpPr>
         <p:spPr>
-          <a:xfrm flipH="false" flipV="false" rot="0">
+          <a:xfrm>
             <a:off x="11761214" y="703722"/>
             <a:ext cx="5498086" cy="3850543"/>
           </a:xfrm>
@@ -8411,9 +8691,9 @@
             <a:gdLst/>
             <a:ahLst/>
             <a:cxnLst/>
-            <a:rect r="r" b="b" t="t" l="l"/>
+            <a:rect l="l" t="t" r="r" b="b"/>
             <a:pathLst>
-              <a:path h="3850543" w="5498086">
+              <a:path w="5498086" h="3850543">
                 <a:moveTo>
                   <a:pt x="0" y="0"/>
                 </a:moveTo>
@@ -8436,19 +8716,19 @@
           <a:blipFill>
             <a:blip r:embed="rId6"/>
             <a:stretch>
-              <a:fillRect l="0" t="0" r="0" b="0"/>
+              <a:fillRect/>
             </a:stretch>
           </a:blipFill>
         </p:spPr>
       </p:sp>
       <p:sp>
         <p:nvSpPr>
-          <p:cNvPr name="Freeform 7" id="7"/>
+          <p:cNvPr id="7" name="Freeform 7"/>
           <p:cNvSpPr/>
           <p:nvPr/>
         </p:nvSpPr>
         <p:spPr>
-          <a:xfrm flipH="false" flipV="false" rot="0">
+          <a:xfrm>
             <a:off x="11761214" y="5574350"/>
             <a:ext cx="5498086" cy="3855194"/>
           </a:xfrm>
@@ -8457,9 +8737,9 @@
             <a:gdLst/>
             <a:ahLst/>
             <a:cxnLst/>
-            <a:rect r="r" b="b" t="t" l="l"/>
+            <a:rect l="l" t="t" r="r" b="b"/>
             <a:pathLst>
-              <a:path h="3855194" w="5498086">
+              <a:path w="5498086" h="3855194">
                 <a:moveTo>
                   <a:pt x="0" y="0"/>
                 </a:moveTo>
@@ -8482,19 +8762,19 @@
           <a:blipFill>
             <a:blip r:embed="rId7"/>
             <a:stretch>
-              <a:fillRect l="0" t="0" r="0" b="0"/>
+              <a:fillRect/>
             </a:stretch>
           </a:blipFill>
         </p:spPr>
       </p:sp>
       <p:sp>
         <p:nvSpPr>
-          <p:cNvPr name="TextBox 8" id="8"/>
-          <p:cNvSpPr txBox="true"/>
+          <p:cNvPr id="8" name="TextBox 8"/>
+          <p:cNvSpPr txBox="1"/>
           <p:nvPr/>
         </p:nvSpPr>
         <p:spPr>
-          <a:xfrm rot="0">
+          <a:xfrm>
             <a:off x="1020888" y="340986"/>
             <a:ext cx="8710484" cy="2669540"/>
           </a:xfrm>
@@ -8503,7 +8783,7 @@
           </a:prstGeom>
         </p:spPr>
         <p:txBody>
-          <a:bodyPr anchor="t" rtlCol="false" tIns="0" lIns="0" bIns="0" rIns="0">
+          <a:bodyPr lIns="0" tIns="0" rIns="0" bIns="0" rtlCol="0" anchor="t">
             <a:spAutoFit/>
           </a:bodyPr>
           <a:lstStyle/>
@@ -8536,12 +8816,12 @@
       </p:sp>
       <p:sp>
         <p:nvSpPr>
-          <p:cNvPr name="TextBox 9" id="9"/>
-          <p:cNvSpPr txBox="true"/>
+          <p:cNvPr id="9" name="TextBox 9"/>
+          <p:cNvSpPr txBox="1"/>
           <p:nvPr/>
         </p:nvSpPr>
         <p:spPr>
-          <a:xfrm rot="0">
+          <a:xfrm>
             <a:off x="1565697" y="2922871"/>
             <a:ext cx="9909768" cy="727710"/>
           </a:xfrm>
@@ -8550,7 +8830,7 @@
           </a:prstGeom>
         </p:spPr>
         <p:txBody>
-          <a:bodyPr anchor="t" rtlCol="false" tIns="0" lIns="0" bIns="0" rIns="0">
+          <a:bodyPr lIns="0" tIns="0" rIns="0" bIns="0" rtlCol="0" anchor="t">
             <a:spAutoFit/>
           </a:bodyPr>
           <a:lstStyle/>
